--- a/for_students/DAY-1/ppt/dev1_00.pptx
+++ b/for_students/DAY-1/ppt/dev1_00.pptx
@@ -220,7 +220,7 @@
           <a:p>
             <a:fld id="{7A6A0595-55A8-48ED-89D9-94EF8A794717}" type="datetimeFigureOut">
               <a:rPr lang="ru-RU" smtClean="0"/>
-              <a:t>19.09.2024</a:t>
+              <a:t>22.09.2024</a:t>
             </a:fld>
             <a:endParaRPr lang="ru-RU"/>
           </a:p>
@@ -1369,7 +1369,7 @@
           <a:p>
             <a:fld id="{EF790F8C-5FB9-4EFE-BCC7-F735A3026FD8}" type="datetimeFigureOut">
               <a:rPr lang="ru-RU" smtClean="0"/>
-              <a:t>19.09.2024</a:t>
+              <a:t>22.09.2024</a:t>
             </a:fld>
             <a:endParaRPr lang="ru-RU"/>
           </a:p>
@@ -4858,8 +4858,56 @@
                 <a:ea typeface="Open Sans" pitchFamily="2" charset="0"/>
                 <a:cs typeface="Open Sans" pitchFamily="2" charset="0"/>
               </a:rPr>
-              <a:t>Политех</a:t>
-            </a:r>
+              <a:t>Политех, </a:t>
+            </a:r>
+            <a:r>
+              <a:rPr lang="ru-RU" sz="1600" kern="0" dirty="0" err="1">
+                <a:solidFill>
+                  <a:srgbClr val="C00000"/>
+                </a:solidFill>
+                <a:latin typeface="Yandex Sans Text Light" panose="02000000000000000000" pitchFamily="2" charset="-52"/>
+                <a:ea typeface="Open Sans" pitchFamily="2" charset="0"/>
+                <a:cs typeface="Open Sans" pitchFamily="2" charset="0"/>
+              </a:rPr>
+              <a:t>Бауманский</a:t>
+            </a:r>
+            <a:r>
+              <a:rPr lang="ru-RU" sz="1600" kern="0" dirty="0">
+                <a:solidFill>
+                  <a:srgbClr val="C00000"/>
+                </a:solidFill>
+                <a:latin typeface="Yandex Sans Text Light" panose="02000000000000000000" pitchFamily="2" charset="-52"/>
+                <a:ea typeface="Open Sans" pitchFamily="2" charset="0"/>
+                <a:cs typeface="Open Sans" pitchFamily="2" charset="0"/>
+              </a:rPr>
+              <a:t> учебный центр Специалист</a:t>
+            </a:r>
+          </a:p>
+          <a:p>
+            <a:pPr marL="609585" indent="-474121" defTabSz="1219170">
+              <a:spcBef>
+                <a:spcPts val="1067"/>
+              </a:spcBef>
+              <a:buSzPct val="130000"/>
+              <a:buFont typeface="Open Sans"/>
+              <a:buBlip>
+                <a:blip r:embed="rId3">
+                  <a:extLst>
+                    <a:ext uri="{96DAC541-7B7A-43D3-8B79-37D633B846F1}">
+                      <asvg:svgBlip xmlns:asvg="http://schemas.microsoft.com/office/drawing/2016/SVG/main" r:embed="rId4"/>
+                    </a:ext>
+                  </a:extLst>
+                </a:blip>
+              </a:buBlip>
+            </a:pPr>
+            <a:endParaRPr lang="ru-RU" sz="1600" kern="0" dirty="0">
+              <a:solidFill>
+                <a:srgbClr val="C00000"/>
+              </a:solidFill>
+              <a:latin typeface="Yandex Sans Text Light" panose="02000000000000000000" pitchFamily="2" charset="-52"/>
+              <a:ea typeface="Open Sans" pitchFamily="2" charset="0"/>
+              <a:cs typeface="Open Sans" pitchFamily="2" charset="0"/>
+            </a:endParaRPr>
           </a:p>
           <a:p>
             <a:pPr marL="135463" indent="0" defTabSz="1219170">
@@ -4993,7 +5041,7 @@
         </p:blipFill>
         <p:spPr>
           <a:xfrm>
-            <a:off x="2558754" y="3596248"/>
+            <a:off x="2558754" y="3772128"/>
             <a:ext cx="746343" cy="731416"/>
           </a:xfrm>
           <a:prstGeom prst="rect">
@@ -5023,7 +5071,7 @@
         </p:blipFill>
         <p:spPr>
           <a:xfrm>
-            <a:off x="4331814" y="3656704"/>
+            <a:off x="4144448" y="3678357"/>
             <a:ext cx="744221" cy="744221"/>
           </a:xfrm>
           <a:prstGeom prst="rect">
@@ -5045,7 +5093,7 @@
         </p:nvSpPr>
         <p:spPr>
           <a:xfrm>
-            <a:off x="1597109" y="3106743"/>
+            <a:off x="1396588" y="3244138"/>
             <a:ext cx="3604013" cy="379656"/>
           </a:xfrm>
           <a:prstGeom prst="rect">
@@ -5180,7 +5228,7 @@
         </p:nvSpPr>
         <p:spPr>
           <a:xfrm>
-            <a:off x="5578714" y="3030222"/>
+            <a:off x="5340698" y="3122754"/>
             <a:ext cx="3244555" cy="379656"/>
           </a:xfrm>
           <a:prstGeom prst="rect">
@@ -5234,7 +5282,7 @@
         </p:blipFill>
         <p:spPr>
           <a:xfrm>
-            <a:off x="6102752" y="3463495"/>
+            <a:off x="5565724" y="3552714"/>
             <a:ext cx="873033" cy="864169"/>
           </a:xfrm>
           <a:prstGeom prst="rect">

--- a/for_students/DAY-1/ppt/dev1_00.pptx
+++ b/for_students/DAY-1/ppt/dev1_00.pptx
@@ -10,17 +10,17 @@
   <p:sldIdLst>
     <p:sldId id="263" r:id="rId2"/>
     <p:sldId id="502" r:id="rId3"/>
-    <p:sldId id="501" r:id="rId4"/>
-    <p:sldId id="507" r:id="rId5"/>
-    <p:sldId id="514" r:id="rId6"/>
-    <p:sldId id="506" r:id="rId7"/>
-    <p:sldId id="257" r:id="rId8"/>
-    <p:sldId id="508" r:id="rId9"/>
-    <p:sldId id="509" r:id="rId10"/>
-    <p:sldId id="510" r:id="rId11"/>
-    <p:sldId id="511" r:id="rId12"/>
-    <p:sldId id="512" r:id="rId13"/>
-    <p:sldId id="513" r:id="rId14"/>
+    <p:sldId id="507" r:id="rId4"/>
+    <p:sldId id="514" r:id="rId5"/>
+    <p:sldId id="506" r:id="rId6"/>
+    <p:sldId id="257" r:id="rId7"/>
+    <p:sldId id="508" r:id="rId8"/>
+    <p:sldId id="510" r:id="rId9"/>
+    <p:sldId id="511" r:id="rId10"/>
+    <p:sldId id="512" r:id="rId11"/>
+    <p:sldId id="513" r:id="rId12"/>
+    <p:sldId id="509" r:id="rId13"/>
+    <p:sldId id="501" r:id="rId14"/>
     <p:sldId id="256" r:id="rId15"/>
     <p:sldId id="504" r:id="rId16"/>
     <p:sldId id="258" r:id="rId17"/>
@@ -220,7 +220,7 @@
           <a:p>
             <a:fld id="{7A6A0595-55A8-48ED-89D9-94EF8A794717}" type="datetimeFigureOut">
               <a:rPr lang="ru-RU" smtClean="0"/>
-              <a:t>22.09.2024</a:t>
+              <a:t>29.09.2024</a:t>
             </a:fld>
             <a:endParaRPr lang="ru-RU"/>
           </a:p>
@@ -1369,7 +1369,7 @@
           <a:p>
             <a:fld id="{EF790F8C-5FB9-4EFE-BCC7-F735A3026FD8}" type="datetimeFigureOut">
               <a:rPr lang="ru-RU" smtClean="0"/>
-              <a:t>22.09.2024</a:t>
+              <a:t>29.09.2024</a:t>
             </a:fld>
             <a:endParaRPr lang="ru-RU"/>
           </a:p>
@@ -3280,126 +3280,6 @@
           <p:cNvPr id="2" name="Рисунок 1">
             <a:extLst>
               <a:ext uri="{FF2B5EF4-FFF2-40B4-BE49-F238E27FC236}">
-                <a16:creationId xmlns:a16="http://schemas.microsoft.com/office/drawing/2014/main" id="{9D28EC85-4C0C-4A43-A804-D9FF6CB13337}"/>
-              </a:ext>
-            </a:extLst>
-          </p:cNvPr>
-          <p:cNvPicPr>
-            <a:picLocks noChangeAspect="1"/>
-          </p:cNvPicPr>
-          <p:nvPr/>
-        </p:nvPicPr>
-        <p:blipFill>
-          <a:blip r:embed="rId2"/>
-          <a:stretch>
-            <a:fillRect/>
-          </a:stretch>
-        </p:blipFill>
-        <p:spPr>
-          <a:xfrm>
-            <a:off x="1154043" y="0"/>
-            <a:ext cx="6835916" cy="5143500"/>
-          </a:xfrm>
-          <a:prstGeom prst="rect">
-            <a:avLst/>
-          </a:prstGeom>
-        </p:spPr>
-      </p:pic>
-    </p:spTree>
-    <p:extLst>
-      <p:ext uri="{BB962C8B-B14F-4D97-AF65-F5344CB8AC3E}">
-        <p14:creationId xmlns:p14="http://schemas.microsoft.com/office/powerpoint/2010/main" val="2334871199"/>
-      </p:ext>
-    </p:extLst>
-  </p:cSld>
-  <p:clrMapOvr>
-    <a:masterClrMapping/>
-  </p:clrMapOvr>
-</p:sld>
-</file>
-
-<file path=ppt/slides/slide11.xml><?xml version="1.0" encoding="utf-8"?>
-<p:sld xmlns:a="http://schemas.openxmlformats.org/drawingml/2006/main" xmlns:r="http://schemas.openxmlformats.org/officeDocument/2006/relationships" xmlns:p="http://schemas.openxmlformats.org/presentationml/2006/main">
-  <p:cSld>
-    <p:spTree>
-      <p:nvGrpSpPr>
-        <p:cNvPr id="1" name=""/>
-        <p:cNvGrpSpPr/>
-        <p:nvPr/>
-      </p:nvGrpSpPr>
-      <p:grpSpPr>
-        <a:xfrm>
-          <a:off x="0" y="0"/>
-          <a:ext cx="0" cy="0"/>
-          <a:chOff x="0" y="0"/>
-          <a:chExt cx="0" cy="0"/>
-        </a:xfrm>
-      </p:grpSpPr>
-      <p:pic>
-        <p:nvPicPr>
-          <p:cNvPr id="2" name="Рисунок 1">
-            <a:extLst>
-              <a:ext uri="{FF2B5EF4-FFF2-40B4-BE49-F238E27FC236}">
-                <a16:creationId xmlns:a16="http://schemas.microsoft.com/office/drawing/2014/main" id="{E2649E39-CD40-409B-9500-7EFDD1A1939D}"/>
-              </a:ext>
-            </a:extLst>
-          </p:cNvPr>
-          <p:cNvPicPr>
-            <a:picLocks noChangeAspect="1"/>
-          </p:cNvPicPr>
-          <p:nvPr/>
-        </p:nvPicPr>
-        <p:blipFill>
-          <a:blip r:embed="rId2"/>
-          <a:stretch>
-            <a:fillRect/>
-          </a:stretch>
-        </p:blipFill>
-        <p:spPr>
-          <a:xfrm>
-            <a:off x="1169100" y="0"/>
-            <a:ext cx="6805802" cy="5143500"/>
-          </a:xfrm>
-          <a:prstGeom prst="rect">
-            <a:avLst/>
-          </a:prstGeom>
-        </p:spPr>
-      </p:pic>
-    </p:spTree>
-    <p:extLst>
-      <p:ext uri="{BB962C8B-B14F-4D97-AF65-F5344CB8AC3E}">
-        <p14:creationId xmlns:p14="http://schemas.microsoft.com/office/powerpoint/2010/main" val="1449623869"/>
-      </p:ext>
-    </p:extLst>
-  </p:cSld>
-  <p:clrMapOvr>
-    <a:masterClrMapping/>
-  </p:clrMapOvr>
-</p:sld>
-</file>
-
-<file path=ppt/slides/slide12.xml><?xml version="1.0" encoding="utf-8"?>
-<p:sld xmlns:a="http://schemas.openxmlformats.org/drawingml/2006/main" xmlns:r="http://schemas.openxmlformats.org/officeDocument/2006/relationships" xmlns:p="http://schemas.openxmlformats.org/presentationml/2006/main">
-  <p:cSld>
-    <p:spTree>
-      <p:nvGrpSpPr>
-        <p:cNvPr id="1" name=""/>
-        <p:cNvGrpSpPr/>
-        <p:nvPr/>
-      </p:nvGrpSpPr>
-      <p:grpSpPr>
-        <a:xfrm>
-          <a:off x="0" y="0"/>
-          <a:ext cx="0" cy="0"/>
-          <a:chOff x="0" y="0"/>
-          <a:chExt cx="0" cy="0"/>
-        </a:xfrm>
-      </p:grpSpPr>
-      <p:pic>
-        <p:nvPicPr>
-          <p:cNvPr id="2" name="Рисунок 1">
-            <a:extLst>
-              <a:ext uri="{FF2B5EF4-FFF2-40B4-BE49-F238E27FC236}">
                 <a16:creationId xmlns:a16="http://schemas.microsoft.com/office/drawing/2014/main" id="{070C68FE-B977-4D3C-BF7D-7BFC35CC4C83}"/>
               </a:ext>
             </a:extLst>
@@ -3438,7 +3318,7 @@
 </p:sld>
 </file>
 
-<file path=ppt/slides/slide13.xml><?xml version="1.0" encoding="utf-8"?>
+<file path=ppt/slides/slide11.xml><?xml version="1.0" encoding="utf-8"?>
 <p:sld xmlns:a="http://schemas.openxmlformats.org/drawingml/2006/main" xmlns:r="http://schemas.openxmlformats.org/officeDocument/2006/relationships" xmlns:p="http://schemas.openxmlformats.org/presentationml/2006/main">
   <p:cSld>
     <p:spTree>
@@ -3489,6 +3369,518 @@
     <p:extLst>
       <p:ext uri="{BB962C8B-B14F-4D97-AF65-F5344CB8AC3E}">
         <p14:creationId xmlns:p14="http://schemas.microsoft.com/office/powerpoint/2010/main" val="960520076"/>
+      </p:ext>
+    </p:extLst>
+  </p:cSld>
+  <p:clrMapOvr>
+    <a:masterClrMapping/>
+  </p:clrMapOvr>
+</p:sld>
+</file>
+
+<file path=ppt/slides/slide12.xml><?xml version="1.0" encoding="utf-8"?>
+<p:sld xmlns:a="http://schemas.openxmlformats.org/drawingml/2006/main" xmlns:r="http://schemas.openxmlformats.org/officeDocument/2006/relationships" xmlns:p="http://schemas.openxmlformats.org/presentationml/2006/main">
+  <p:cSld>
+    <p:spTree>
+      <p:nvGrpSpPr>
+        <p:cNvPr id="1" name=""/>
+        <p:cNvGrpSpPr/>
+        <p:nvPr/>
+      </p:nvGrpSpPr>
+      <p:grpSpPr>
+        <a:xfrm>
+          <a:off x="0" y="0"/>
+          <a:ext cx="0" cy="0"/>
+          <a:chOff x="0" y="0"/>
+          <a:chExt cx="0" cy="0"/>
+        </a:xfrm>
+      </p:grpSpPr>
+      <p:pic>
+        <p:nvPicPr>
+          <p:cNvPr id="3" name="Рисунок 2">
+            <a:extLst>
+              <a:ext uri="{FF2B5EF4-FFF2-40B4-BE49-F238E27FC236}">
+                <a16:creationId xmlns:a16="http://schemas.microsoft.com/office/drawing/2014/main" id="{204C9589-CE5D-4881-B830-60A7C73C95FD}"/>
+              </a:ext>
+            </a:extLst>
+          </p:cNvPr>
+          <p:cNvPicPr>
+            <a:picLocks noChangeAspect="1"/>
+          </p:cNvPicPr>
+          <p:nvPr/>
+        </p:nvPicPr>
+        <p:blipFill>
+          <a:blip r:embed="rId2"/>
+          <a:stretch>
+            <a:fillRect/>
+          </a:stretch>
+        </p:blipFill>
+        <p:spPr>
+          <a:xfrm>
+            <a:off x="1166008" y="0"/>
+            <a:ext cx="6811987" cy="5143500"/>
+          </a:xfrm>
+          <a:prstGeom prst="rect">
+            <a:avLst/>
+          </a:prstGeom>
+        </p:spPr>
+      </p:pic>
+    </p:spTree>
+    <p:extLst>
+      <p:ext uri="{BB962C8B-B14F-4D97-AF65-F5344CB8AC3E}">
+        <p14:creationId xmlns:p14="http://schemas.microsoft.com/office/powerpoint/2010/main" val="2674826598"/>
+      </p:ext>
+    </p:extLst>
+  </p:cSld>
+  <p:clrMapOvr>
+    <a:masterClrMapping/>
+  </p:clrMapOvr>
+</p:sld>
+</file>
+
+<file path=ppt/slides/slide13.xml><?xml version="1.0" encoding="utf-8"?>
+<p:sld xmlns:a="http://schemas.openxmlformats.org/drawingml/2006/main" xmlns:r="http://schemas.openxmlformats.org/officeDocument/2006/relationships" xmlns:p="http://schemas.openxmlformats.org/presentationml/2006/main">
+  <p:cSld>
+    <p:spTree>
+      <p:nvGrpSpPr>
+        <p:cNvPr id="1" name=""/>
+        <p:cNvGrpSpPr/>
+        <p:nvPr/>
+      </p:nvGrpSpPr>
+      <p:grpSpPr>
+        <a:xfrm>
+          <a:off x="0" y="0"/>
+          <a:ext cx="0" cy="0"/>
+          <a:chOff x="0" y="0"/>
+          <a:chExt cx="0" cy="0"/>
+        </a:xfrm>
+      </p:grpSpPr>
+      <p:sp>
+        <p:nvSpPr>
+          <p:cNvPr id="2" name="Заголовок 1"/>
+          <p:cNvSpPr>
+            <a:spLocks noGrp="1"/>
+          </p:cNvSpPr>
+          <p:nvPr>
+            <p:ph type="title"/>
+          </p:nvPr>
+        </p:nvSpPr>
+        <p:spPr/>
+        <p:txBody>
+          <a:bodyPr>
+            <a:normAutofit fontScale="90000"/>
+          </a:bodyPr>
+          <a:lstStyle/>
+          <a:p>
+            <a:r>
+              <a:rPr lang="ru-RU" dirty="0">
+                <a:latin typeface="Segoe UI Light" panose="020B0502040204020203" pitchFamily="34" charset="0"/>
+                <a:cs typeface="Segoe UI Light" panose="020B0502040204020203" pitchFamily="34" charset="0"/>
+              </a:rPr>
+              <a:t>Организационные </a:t>
+            </a:r>
+            <a:br>
+              <a:rPr lang="en-US" dirty="0">
+                <a:latin typeface="Segoe UI Light" panose="020B0502040204020203" pitchFamily="34" charset="0"/>
+                <a:cs typeface="Segoe UI Light" panose="020B0502040204020203" pitchFamily="34" charset="0"/>
+              </a:rPr>
+            </a:br>
+            <a:r>
+              <a:rPr lang="ru-RU" dirty="0">
+                <a:latin typeface="Segoe UI Light" panose="020B0502040204020203" pitchFamily="34" charset="0"/>
+                <a:cs typeface="Segoe UI Light" panose="020B0502040204020203" pitchFamily="34" charset="0"/>
+              </a:rPr>
+              <a:t>моменты</a:t>
+            </a:r>
+          </a:p>
+        </p:txBody>
+      </p:sp>
+      <p:sp>
+        <p:nvSpPr>
+          <p:cNvPr id="3" name="Объект 2"/>
+          <p:cNvSpPr>
+            <a:spLocks noGrp="1"/>
+          </p:cNvSpPr>
+          <p:nvPr>
+            <p:ph type="subTitle"/>
+          </p:nvPr>
+        </p:nvSpPr>
+        <p:spPr>
+          <a:xfrm>
+            <a:off x="628560" y="1400830"/>
+            <a:ext cx="7886520" cy="3263040"/>
+          </a:xfrm>
+        </p:spPr>
+        <p:txBody>
+          <a:bodyPr numCol="2">
+            <a:noAutofit/>
+          </a:bodyPr>
+          <a:lstStyle/>
+          <a:p>
+            <a:pPr marL="0" indent="0">
+              <a:buNone/>
+            </a:pPr>
+            <a:r>
+              <a:rPr lang="ru-RU" sz="2000" i="1" u="sng" dirty="0">
+                <a:latin typeface="Segoe UI Light" panose="020B0502040204020203" pitchFamily="34" charset="0"/>
+                <a:cs typeface="Segoe UI Light" panose="020B0502040204020203" pitchFamily="34" charset="0"/>
+              </a:rPr>
+              <a:t>Правила совместной работы:</a:t>
+            </a:r>
+            <a:endParaRPr lang="ru-RU" sz="2000" dirty="0">
+              <a:solidFill>
+                <a:srgbClr val="0070C0"/>
+              </a:solidFill>
+              <a:latin typeface="Segoe UI Light" panose="020B0502040204020203" pitchFamily="34" charset="0"/>
+              <a:cs typeface="Segoe UI Light" panose="020B0502040204020203" pitchFamily="34" charset="0"/>
+            </a:endParaRPr>
+          </a:p>
+          <a:p>
+            <a:pPr marL="0" indent="0">
+              <a:buNone/>
+            </a:pPr>
+            <a:r>
+              <a:rPr lang="ru-RU" sz="2000" dirty="0">
+                <a:solidFill>
+                  <a:srgbClr val="86AA00"/>
+                </a:solidFill>
+                <a:latin typeface="Segoe UI Light" panose="020B0502040204020203" pitchFamily="34" charset="0"/>
+                <a:cs typeface="Segoe UI Light" panose="020B0502040204020203" pitchFamily="34" charset="0"/>
+              </a:rPr>
+              <a:t> </a:t>
+            </a:r>
+            <a:r>
+              <a:rPr lang="ru-RU" sz="2000" dirty="0">
+                <a:solidFill>
+                  <a:srgbClr val="2D2D2A"/>
+                </a:solidFill>
+                <a:latin typeface="Segoe UI Light" panose="020B0502040204020203" pitchFamily="34" charset="0"/>
+                <a:cs typeface="Segoe UI Light" panose="020B0502040204020203" pitchFamily="34" charset="0"/>
+              </a:rPr>
+              <a:t>Вопросы преподавателю</a:t>
+            </a:r>
+            <a:br>
+              <a:rPr lang="ru-RU" sz="2000" dirty="0">
+                <a:solidFill>
+                  <a:srgbClr val="2D2D2A"/>
+                </a:solidFill>
+                <a:latin typeface="Segoe UI Light" panose="020B0502040204020203" pitchFamily="34" charset="0"/>
+                <a:cs typeface="Segoe UI Light" panose="020B0502040204020203" pitchFamily="34" charset="0"/>
+              </a:rPr>
+            </a:br>
+            <a:r>
+              <a:rPr lang="ru-RU" sz="2000" dirty="0">
+                <a:solidFill>
+                  <a:srgbClr val="86AA00"/>
+                </a:solidFill>
+                <a:latin typeface="Segoe UI Light" panose="020B0502040204020203" pitchFamily="34" charset="0"/>
+                <a:cs typeface="Segoe UI Light" panose="020B0502040204020203" pitchFamily="34" charset="0"/>
+              </a:rPr>
+              <a:t> </a:t>
+            </a:r>
+            <a:r>
+              <a:rPr lang="ru-RU" sz="2000" dirty="0">
+                <a:solidFill>
+                  <a:srgbClr val="2D2D2A"/>
+                </a:solidFill>
+                <a:latin typeface="Segoe UI Light" panose="020B0502040204020203" pitchFamily="34" charset="0"/>
+                <a:cs typeface="Segoe UI Light" panose="020B0502040204020203" pitchFamily="34" charset="0"/>
+              </a:rPr>
+              <a:t>Правило поднятой руки</a:t>
+            </a:r>
+            <a:br>
+              <a:rPr lang="ru-RU" sz="2000" dirty="0">
+                <a:solidFill>
+                  <a:srgbClr val="2D2D2A"/>
+                </a:solidFill>
+                <a:latin typeface="Segoe UI Light" panose="020B0502040204020203" pitchFamily="34" charset="0"/>
+                <a:cs typeface="Segoe UI Light" panose="020B0502040204020203" pitchFamily="34" charset="0"/>
+              </a:rPr>
+            </a:br>
+            <a:r>
+              <a:rPr lang="ru-RU" sz="2000" dirty="0">
+                <a:solidFill>
+                  <a:srgbClr val="86AA00"/>
+                </a:solidFill>
+                <a:latin typeface="Segoe UI Light" panose="020B0502040204020203" pitchFamily="34" charset="0"/>
+                <a:cs typeface="Segoe UI Light" panose="020B0502040204020203" pitchFamily="34" charset="0"/>
+              </a:rPr>
+              <a:t> </a:t>
+            </a:r>
+            <a:r>
+              <a:rPr lang="ru-RU" sz="2000" dirty="0">
+                <a:solidFill>
+                  <a:srgbClr val="2D2D2A"/>
+                </a:solidFill>
+                <a:latin typeface="Segoe UI Light" panose="020B0502040204020203" pitchFamily="34" charset="0"/>
+                <a:cs typeface="Segoe UI Light" panose="020B0502040204020203" pitchFamily="34" charset="0"/>
+              </a:rPr>
+              <a:t>Уважение к мнению других участников</a:t>
+            </a:r>
+            <a:br>
+              <a:rPr lang="ru-RU" sz="2000" dirty="0">
+                <a:solidFill>
+                  <a:srgbClr val="2D2D2A"/>
+                </a:solidFill>
+                <a:latin typeface="Segoe UI Light" panose="020B0502040204020203" pitchFamily="34" charset="0"/>
+                <a:cs typeface="Segoe UI Light" panose="020B0502040204020203" pitchFamily="34" charset="0"/>
+              </a:rPr>
+            </a:br>
+            <a:endParaRPr lang="ru-RU" sz="2000" dirty="0">
+              <a:solidFill>
+                <a:srgbClr val="2D2D2A"/>
+              </a:solidFill>
+              <a:latin typeface="Segoe UI Light" panose="020B0502040204020203" pitchFamily="34" charset="0"/>
+              <a:cs typeface="Segoe UI Light" panose="020B0502040204020203" pitchFamily="34" charset="0"/>
+            </a:endParaRPr>
+          </a:p>
+          <a:p>
+            <a:pPr marL="0" indent="0">
+              <a:buNone/>
+            </a:pPr>
+            <a:r>
+              <a:rPr lang="ru-RU" sz="1400" i="1" u="sng" dirty="0">
+                <a:latin typeface="Segoe UI Light" panose="020B0502040204020203" pitchFamily="34" charset="0"/>
+                <a:cs typeface="Segoe UI Light" panose="020B0502040204020203" pitchFamily="34" charset="0"/>
+              </a:rPr>
+              <a:t>Давайте знакомиться</a:t>
+            </a:r>
+          </a:p>
+          <a:p>
+            <a:pPr>
+              <a:buFont typeface="Wingdings" panose="05000000000000000000" pitchFamily="2" charset="2"/>
+              <a:buChar char="q"/>
+            </a:pPr>
+            <a:r>
+              <a:rPr lang="ru-RU" sz="2000" dirty="0">
+                <a:solidFill>
+                  <a:srgbClr val="2D2D2A"/>
+                </a:solidFill>
+                <a:latin typeface="Segoe UI Light" panose="020B0502040204020203" pitchFamily="34" charset="0"/>
+                <a:cs typeface="Segoe UI Light" panose="020B0502040204020203" pitchFamily="34" charset="0"/>
+              </a:rPr>
+              <a:t> Имя</a:t>
+            </a:r>
+          </a:p>
+          <a:p>
+            <a:pPr>
+              <a:buFont typeface="Wingdings" panose="05000000000000000000" pitchFamily="2" charset="2"/>
+              <a:buChar char="q"/>
+            </a:pPr>
+            <a:r>
+              <a:rPr lang="ru-RU" sz="2000" dirty="0">
+                <a:solidFill>
+                  <a:srgbClr val="2D2D2A"/>
+                </a:solidFill>
+                <a:latin typeface="Segoe UI Light" panose="020B0502040204020203" pitchFamily="34" charset="0"/>
+                <a:cs typeface="Segoe UI Light" panose="020B0502040204020203" pitchFamily="34" charset="0"/>
+              </a:rPr>
+              <a:t> Компания</a:t>
+            </a:r>
+          </a:p>
+          <a:p>
+            <a:pPr>
+              <a:buFont typeface="Wingdings" panose="05000000000000000000" pitchFamily="2" charset="2"/>
+              <a:buChar char="q"/>
+            </a:pPr>
+            <a:r>
+              <a:rPr lang="ru-RU" sz="2000" dirty="0">
+                <a:solidFill>
+                  <a:srgbClr val="2D2D2A"/>
+                </a:solidFill>
+                <a:latin typeface="Segoe UI Light" panose="020B0502040204020203" pitchFamily="34" charset="0"/>
+                <a:cs typeface="Segoe UI Light" panose="020B0502040204020203" pitchFamily="34" charset="0"/>
+              </a:rPr>
+              <a:t> Должность, роль</a:t>
+            </a:r>
+          </a:p>
+          <a:p>
+            <a:pPr>
+              <a:buFont typeface="Wingdings" panose="05000000000000000000" pitchFamily="2" charset="2"/>
+              <a:buChar char="q"/>
+            </a:pPr>
+            <a:r>
+              <a:rPr lang="ru-RU" sz="2000" dirty="0">
+                <a:solidFill>
+                  <a:srgbClr val="2D2D2A"/>
+                </a:solidFill>
+                <a:latin typeface="Segoe UI Light" panose="020B0502040204020203" pitchFamily="34" charset="0"/>
+                <a:cs typeface="Segoe UI Light" panose="020B0502040204020203" pitchFamily="34" charset="0"/>
+              </a:rPr>
+              <a:t> Ожидания от курса</a:t>
+            </a:r>
+            <a:br>
+              <a:rPr lang="ru-RU" sz="2000" dirty="0">
+                <a:solidFill>
+                  <a:srgbClr val="2D2D2A"/>
+                </a:solidFill>
+                <a:latin typeface="Segoe UI Light" panose="020B0502040204020203" pitchFamily="34" charset="0"/>
+                <a:cs typeface="Segoe UI Light" panose="020B0502040204020203" pitchFamily="34" charset="0"/>
+              </a:rPr>
+            </a:br>
+            <a:endParaRPr lang="ru-RU" sz="2000" dirty="0">
+              <a:solidFill>
+                <a:srgbClr val="2D2D2A"/>
+              </a:solidFill>
+              <a:latin typeface="Segoe UI Light" panose="020B0502040204020203" pitchFamily="34" charset="0"/>
+              <a:cs typeface="Segoe UI Light" panose="020B0502040204020203" pitchFamily="34" charset="0"/>
+            </a:endParaRPr>
+          </a:p>
+          <a:p>
+            <a:pPr marL="0" indent="0">
+              <a:buNone/>
+            </a:pPr>
+            <a:endParaRPr lang="ru-RU" sz="2000" dirty="0">
+              <a:solidFill>
+                <a:srgbClr val="2D2D2A"/>
+              </a:solidFill>
+              <a:latin typeface="Segoe UI Light" panose="020B0502040204020203" pitchFamily="34" charset="0"/>
+              <a:cs typeface="Segoe UI Light" panose="020B0502040204020203" pitchFamily="34" charset="0"/>
+            </a:endParaRPr>
+          </a:p>
+          <a:p>
+            <a:pPr marL="0" indent="0">
+              <a:buNone/>
+            </a:pPr>
+            <a:endParaRPr lang="ru-RU" sz="2000" dirty="0">
+              <a:solidFill>
+                <a:srgbClr val="2D2D2A"/>
+              </a:solidFill>
+              <a:latin typeface="Segoe UI Light" panose="020B0502040204020203" pitchFamily="34" charset="0"/>
+              <a:cs typeface="Segoe UI Light" panose="020B0502040204020203" pitchFamily="34" charset="0"/>
+            </a:endParaRPr>
+          </a:p>
+          <a:p>
+            <a:pPr marL="0" indent="0">
+              <a:buNone/>
+            </a:pPr>
+            <a:endParaRPr lang="ru-RU" sz="2000" dirty="0">
+              <a:solidFill>
+                <a:srgbClr val="2D2D2A"/>
+              </a:solidFill>
+              <a:latin typeface="Segoe UI Light" panose="020B0502040204020203" pitchFamily="34" charset="0"/>
+              <a:cs typeface="Segoe UI Light" panose="020B0502040204020203" pitchFamily="34" charset="0"/>
+            </a:endParaRPr>
+          </a:p>
+          <a:p>
+            <a:pPr marL="0" indent="0">
+              <a:buNone/>
+            </a:pPr>
+            <a:endParaRPr lang="ru-RU" sz="2000" dirty="0">
+              <a:solidFill>
+                <a:srgbClr val="2D2D2A"/>
+              </a:solidFill>
+              <a:latin typeface="Segoe UI Light" panose="020B0502040204020203" pitchFamily="34" charset="0"/>
+              <a:cs typeface="Segoe UI Light" panose="020B0502040204020203" pitchFamily="34" charset="0"/>
+            </a:endParaRPr>
+          </a:p>
+          <a:p>
+            <a:pPr marL="136922" indent="0">
+              <a:buNone/>
+            </a:pPr>
+            <a:endParaRPr lang="ru-RU" sz="2000" dirty="0">
+              <a:solidFill>
+                <a:srgbClr val="FF0000"/>
+              </a:solidFill>
+              <a:latin typeface="Segoe UI Light" panose="020B0502040204020203" pitchFamily="34" charset="0"/>
+              <a:cs typeface="Segoe UI Light" panose="020B0502040204020203" pitchFamily="34" charset="0"/>
+            </a:endParaRPr>
+          </a:p>
+          <a:p>
+            <a:pPr marL="136922" indent="0">
+              <a:buNone/>
+            </a:pPr>
+            <a:r>
+              <a:rPr lang="ru-RU" sz="2000" dirty="0">
+                <a:solidFill>
+                  <a:srgbClr val="FF0000"/>
+                </a:solidFill>
+                <a:latin typeface="Segoe UI Light" panose="020B0502040204020203" pitchFamily="34" charset="0"/>
+                <a:cs typeface="Segoe UI Light" panose="020B0502040204020203" pitchFamily="34" charset="0"/>
+              </a:rPr>
+              <a:t> </a:t>
+            </a:r>
+            <a:r>
+              <a:rPr lang="ru-RU" sz="2000" dirty="0">
+                <a:latin typeface="Segoe UI Light" panose="020B0502040204020203" pitchFamily="34" charset="0"/>
+                <a:cs typeface="Segoe UI Light" panose="020B0502040204020203" pitchFamily="34" charset="0"/>
+              </a:rPr>
+              <a:t>Мобильные телефоны</a:t>
+            </a:r>
+            <a:br>
+              <a:rPr lang="ru-RU" sz="2000" dirty="0">
+                <a:solidFill>
+                  <a:srgbClr val="2D2D2A"/>
+                </a:solidFill>
+                <a:latin typeface="Segoe UI Light" panose="020B0502040204020203" pitchFamily="34" charset="0"/>
+                <a:cs typeface="Segoe UI Light" panose="020B0502040204020203" pitchFamily="34" charset="0"/>
+              </a:rPr>
+            </a:br>
+            <a:r>
+              <a:rPr lang="ru-RU" sz="2000" dirty="0">
+                <a:solidFill>
+                  <a:srgbClr val="FF0000"/>
+                </a:solidFill>
+                <a:latin typeface="Segoe UI Light" panose="020B0502040204020203" pitchFamily="34" charset="0"/>
+                <a:cs typeface="Segoe UI Light" panose="020B0502040204020203" pitchFamily="34" charset="0"/>
+              </a:rPr>
+              <a:t> </a:t>
+            </a:r>
+            <a:r>
+              <a:rPr lang="ru-RU" sz="2000" dirty="0">
+                <a:solidFill>
+                  <a:srgbClr val="2D2D2A"/>
+                </a:solidFill>
+                <a:latin typeface="Segoe UI Light" panose="020B0502040204020203" pitchFamily="34" charset="0"/>
+                <a:cs typeface="Segoe UI Light" panose="020B0502040204020203" pitchFamily="34" charset="0"/>
+              </a:rPr>
+              <a:t>Опоздания</a:t>
+            </a:r>
+            <a:br>
+              <a:rPr lang="ru-RU" sz="2000" dirty="0">
+                <a:solidFill>
+                  <a:srgbClr val="2D2D2A"/>
+                </a:solidFill>
+                <a:latin typeface="Segoe UI Light" panose="020B0502040204020203" pitchFamily="34" charset="0"/>
+                <a:cs typeface="Segoe UI Light" panose="020B0502040204020203" pitchFamily="34" charset="0"/>
+              </a:rPr>
+            </a:br>
+            <a:r>
+              <a:rPr lang="ru-RU" sz="2000" dirty="0">
+                <a:solidFill>
+                  <a:srgbClr val="FF0000"/>
+                </a:solidFill>
+                <a:latin typeface="Segoe UI Light" panose="020B0502040204020203" pitchFamily="34" charset="0"/>
+                <a:cs typeface="Segoe UI Light" panose="020B0502040204020203" pitchFamily="34" charset="0"/>
+              </a:rPr>
+              <a:t> </a:t>
+            </a:r>
+            <a:r>
+              <a:rPr lang="ru-RU" sz="2000" dirty="0">
+                <a:solidFill>
+                  <a:srgbClr val="2D2D2A"/>
+                </a:solidFill>
+                <a:latin typeface="Segoe UI Light" panose="020B0502040204020203" pitchFamily="34" charset="0"/>
+                <a:cs typeface="Segoe UI Light" panose="020B0502040204020203" pitchFamily="34" charset="0"/>
+              </a:rPr>
+              <a:t>Приватные обсуждения</a:t>
+            </a:r>
+          </a:p>
+          <a:p>
+            <a:pPr marL="136922" indent="0">
+              <a:buNone/>
+            </a:pPr>
+            <a:endParaRPr lang="ru-RU" sz="2000" dirty="0">
+              <a:latin typeface="Segoe UI Light" panose="020B0502040204020203" pitchFamily="34" charset="0"/>
+              <a:cs typeface="Segoe UI Light" panose="020B0502040204020203" pitchFamily="34" charset="0"/>
+            </a:endParaRPr>
+          </a:p>
+        </p:txBody>
+      </p:sp>
+    </p:spTree>
+    <p:extLst>
+      <p:ext uri="{BB962C8B-B14F-4D97-AF65-F5344CB8AC3E}">
+        <p14:creationId xmlns:p14="http://schemas.microsoft.com/office/powerpoint/2010/main" val="2783297049"/>
       </p:ext>
     </p:extLst>
   </p:cSld>
@@ -4321,7 +4713,7 @@
         </p:nvSpPr>
         <p:spPr>
           <a:xfrm>
-            <a:off x="2387948" y="424437"/>
+            <a:off x="2387948" y="100960"/>
             <a:ext cx="5905500" cy="2908920"/>
           </a:xfrm>
           <a:prstGeom prst="rect">
@@ -4620,10 +5012,27 @@
                 <a:ea typeface="Open Sans" pitchFamily="2" charset="0"/>
                 <a:cs typeface="Open Sans" pitchFamily="2" charset="0"/>
               </a:rPr>
-              <a:t>-разработчик (</a:t>
-            </a:r>
-            <a:r>
-              <a:rPr lang="en-US" sz="1600" kern="0" dirty="0">
+              <a:t>-разработчик </a:t>
+            </a:r>
+          </a:p>
+          <a:p>
+            <a:pPr marL="609585" indent="-474121" defTabSz="1219170">
+              <a:spcBef>
+                <a:spcPts val="1067"/>
+              </a:spcBef>
+              <a:buSzPct val="130000"/>
+              <a:buBlip>
+                <a:blip r:embed="rId3">
+                  <a:extLst>
+                    <a:ext uri="{96DAC541-7B7A-43D3-8B79-37D633B846F1}">
+                      <asvg:svgBlip xmlns:asvg="http://schemas.microsoft.com/office/drawing/2016/SVG/main" r:embed="rId4"/>
+                    </a:ext>
+                  </a:extLst>
+                </a:blip>
+              </a:buBlip>
+            </a:pPr>
+            <a:r>
+              <a:rPr lang="ru-RU" sz="1600" kern="0" dirty="0">
                 <a:solidFill>
                   <a:srgbClr val="002060"/>
                 </a:solidFill>
@@ -4631,10 +5040,10 @@
                 <a:ea typeface="Open Sans" pitchFamily="2" charset="0"/>
                 <a:cs typeface="Open Sans" pitchFamily="2" charset="0"/>
               </a:rPr>
-              <a:t>Pt, JS, C#, Django, Flask, Vue, </a:t>
-            </a:r>
-            <a:r>
-              <a:rPr lang="ru-RU" sz="1600" kern="0" dirty="0">
+              <a:t>Стек</a:t>
+            </a:r>
+            <a:r>
+              <a:rPr lang="en-US" sz="1600" kern="0" dirty="0">
                 <a:solidFill>
                   <a:srgbClr val="002060"/>
                 </a:solidFill>
@@ -4642,16 +5051,52 @@
                 <a:ea typeface="Open Sans" pitchFamily="2" charset="0"/>
                 <a:cs typeface="Open Sans" pitchFamily="2" charset="0"/>
               </a:rPr>
-              <a:t>)</a:t>
-            </a:r>
-            <a:endParaRPr lang="en-US" sz="1600" kern="0" dirty="0">
-              <a:solidFill>
-                <a:srgbClr val="002060"/>
-              </a:solidFill>
-              <a:latin typeface="Yandex Sans Text Light" panose="02000000000000000000" pitchFamily="2" charset="-52"/>
-              <a:ea typeface="Open Sans" pitchFamily="2" charset="0"/>
-              <a:cs typeface="Open Sans" pitchFamily="2" charset="0"/>
-            </a:endParaRPr>
+              <a:t>:</a:t>
+            </a:r>
+            <a:r>
+              <a:rPr lang="ru-RU" sz="1600" kern="0" dirty="0">
+                <a:solidFill>
+                  <a:srgbClr val="002060"/>
+                </a:solidFill>
+                <a:latin typeface="Yandex Sans Text Light" panose="02000000000000000000" pitchFamily="2" charset="-52"/>
+                <a:ea typeface="Open Sans" pitchFamily="2" charset="0"/>
+                <a:cs typeface="Open Sans" pitchFamily="2" charset="0"/>
+              </a:rPr>
+              <a:t> </a:t>
+            </a:r>
+            <a:r>
+              <a:rPr lang="en-US" sz="1600" kern="0" dirty="0">
+                <a:solidFill>
+                  <a:srgbClr val="002060"/>
+                </a:solidFill>
+                <a:latin typeface="Yandex Sans Text Light" panose="02000000000000000000" pitchFamily="2" charset="-52"/>
+                <a:ea typeface="Open Sans" pitchFamily="2" charset="0"/>
+                <a:cs typeface="Open Sans" pitchFamily="2" charset="0"/>
+              </a:rPr>
+              <a:t>Pt, JS, C#, </a:t>
+            </a:r>
+            <a:r>
+              <a:rPr lang="ru-RU" sz="1600" kern="0" dirty="0">
+                <a:solidFill>
+                  <a:srgbClr val="002060"/>
+                </a:solidFill>
+                <a:latin typeface="Yandex Sans Text Light" panose="02000000000000000000" pitchFamily="2" charset="-52"/>
+                <a:ea typeface="Open Sans" pitchFamily="2" charset="0"/>
+                <a:cs typeface="Open Sans" pitchFamily="2" charset="0"/>
+              </a:rPr>
+              <a:t>языки ассемблера</a:t>
+            </a:r>
+            <a:r>
+              <a:rPr lang="en-US" sz="1600" kern="0" dirty="0">
+                <a:solidFill>
+                  <a:srgbClr val="002060"/>
+                </a:solidFill>
+                <a:latin typeface="Yandex Sans Text Light" panose="02000000000000000000" pitchFamily="2" charset="-52"/>
+                <a:ea typeface="Open Sans" pitchFamily="2" charset="0"/>
+                <a:cs typeface="Open Sans" pitchFamily="2" charset="0"/>
+              </a:rPr>
+              <a:t>, Django, Flask, Vue, IOT</a:t>
+            </a:r>
           </a:p>
           <a:p>
             <a:pPr marL="609585" indent="-474121" defTabSz="1219170">
@@ -5620,458 +6065,6 @@
           <a:chExt cx="0" cy="0"/>
         </a:xfrm>
       </p:grpSpPr>
-      <p:sp>
-        <p:nvSpPr>
-          <p:cNvPr id="2" name="Заголовок 1"/>
-          <p:cNvSpPr>
-            <a:spLocks noGrp="1"/>
-          </p:cNvSpPr>
-          <p:nvPr>
-            <p:ph type="title"/>
-          </p:nvPr>
-        </p:nvSpPr>
-        <p:spPr/>
-        <p:txBody>
-          <a:bodyPr>
-            <a:normAutofit fontScale="90000"/>
-          </a:bodyPr>
-          <a:lstStyle/>
-          <a:p>
-            <a:r>
-              <a:rPr lang="ru-RU" dirty="0">
-                <a:latin typeface="Segoe UI Light" panose="020B0502040204020203" pitchFamily="34" charset="0"/>
-                <a:cs typeface="Segoe UI Light" panose="020B0502040204020203" pitchFamily="34" charset="0"/>
-              </a:rPr>
-              <a:t>Организационные </a:t>
-            </a:r>
-            <a:br>
-              <a:rPr lang="en-US" dirty="0">
-                <a:latin typeface="Segoe UI Light" panose="020B0502040204020203" pitchFamily="34" charset="0"/>
-                <a:cs typeface="Segoe UI Light" panose="020B0502040204020203" pitchFamily="34" charset="0"/>
-              </a:rPr>
-            </a:br>
-            <a:r>
-              <a:rPr lang="ru-RU" dirty="0">
-                <a:latin typeface="Segoe UI Light" panose="020B0502040204020203" pitchFamily="34" charset="0"/>
-                <a:cs typeface="Segoe UI Light" panose="020B0502040204020203" pitchFamily="34" charset="0"/>
-              </a:rPr>
-              <a:t>моменты</a:t>
-            </a:r>
-          </a:p>
-        </p:txBody>
-      </p:sp>
-      <p:sp>
-        <p:nvSpPr>
-          <p:cNvPr id="3" name="Объект 2"/>
-          <p:cNvSpPr>
-            <a:spLocks noGrp="1"/>
-          </p:cNvSpPr>
-          <p:nvPr>
-            <p:ph type="subTitle"/>
-          </p:nvPr>
-        </p:nvSpPr>
-        <p:spPr>
-          <a:xfrm>
-            <a:off x="628560" y="1400830"/>
-            <a:ext cx="7886520" cy="3263040"/>
-          </a:xfrm>
-        </p:spPr>
-        <p:txBody>
-          <a:bodyPr numCol="2">
-            <a:noAutofit/>
-          </a:bodyPr>
-          <a:lstStyle/>
-          <a:p>
-            <a:pPr marL="0" indent="0">
-              <a:buNone/>
-            </a:pPr>
-            <a:r>
-              <a:rPr lang="ru-RU" sz="2000" i="1" u="sng" dirty="0">
-                <a:latin typeface="Segoe UI Light" panose="020B0502040204020203" pitchFamily="34" charset="0"/>
-                <a:cs typeface="Segoe UI Light" panose="020B0502040204020203" pitchFamily="34" charset="0"/>
-              </a:rPr>
-              <a:t>Правила совместной работы:</a:t>
-            </a:r>
-            <a:endParaRPr lang="ru-RU" sz="2000" dirty="0">
-              <a:solidFill>
-                <a:srgbClr val="0070C0"/>
-              </a:solidFill>
-              <a:latin typeface="Segoe UI Light" panose="020B0502040204020203" pitchFamily="34" charset="0"/>
-              <a:cs typeface="Segoe UI Light" panose="020B0502040204020203" pitchFamily="34" charset="0"/>
-            </a:endParaRPr>
-          </a:p>
-          <a:p>
-            <a:pPr marL="0" indent="0">
-              <a:buNone/>
-            </a:pPr>
-            <a:r>
-              <a:rPr lang="ru-RU" sz="2000" dirty="0">
-                <a:solidFill>
-                  <a:srgbClr val="86AA00"/>
-                </a:solidFill>
-                <a:latin typeface="Segoe UI Light" panose="020B0502040204020203" pitchFamily="34" charset="0"/>
-                <a:cs typeface="Segoe UI Light" panose="020B0502040204020203" pitchFamily="34" charset="0"/>
-              </a:rPr>
-              <a:t> </a:t>
-            </a:r>
-            <a:r>
-              <a:rPr lang="ru-RU" sz="2000" dirty="0">
-                <a:solidFill>
-                  <a:srgbClr val="2D2D2A"/>
-                </a:solidFill>
-                <a:latin typeface="Segoe UI Light" panose="020B0502040204020203" pitchFamily="34" charset="0"/>
-                <a:cs typeface="Segoe UI Light" panose="020B0502040204020203" pitchFamily="34" charset="0"/>
-              </a:rPr>
-              <a:t>Вопросы преподавателю</a:t>
-            </a:r>
-            <a:br>
-              <a:rPr lang="ru-RU" sz="2000" dirty="0">
-                <a:solidFill>
-                  <a:srgbClr val="2D2D2A"/>
-                </a:solidFill>
-                <a:latin typeface="Segoe UI Light" panose="020B0502040204020203" pitchFamily="34" charset="0"/>
-                <a:cs typeface="Segoe UI Light" panose="020B0502040204020203" pitchFamily="34" charset="0"/>
-              </a:rPr>
-            </a:br>
-            <a:r>
-              <a:rPr lang="ru-RU" sz="2000" dirty="0">
-                <a:solidFill>
-                  <a:srgbClr val="86AA00"/>
-                </a:solidFill>
-                <a:latin typeface="Segoe UI Light" panose="020B0502040204020203" pitchFamily="34" charset="0"/>
-                <a:cs typeface="Segoe UI Light" panose="020B0502040204020203" pitchFamily="34" charset="0"/>
-              </a:rPr>
-              <a:t> </a:t>
-            </a:r>
-            <a:r>
-              <a:rPr lang="ru-RU" sz="2000" dirty="0">
-                <a:solidFill>
-                  <a:srgbClr val="2D2D2A"/>
-                </a:solidFill>
-                <a:latin typeface="Segoe UI Light" panose="020B0502040204020203" pitchFamily="34" charset="0"/>
-                <a:cs typeface="Segoe UI Light" panose="020B0502040204020203" pitchFamily="34" charset="0"/>
-              </a:rPr>
-              <a:t>Правило поднятой руки</a:t>
-            </a:r>
-            <a:br>
-              <a:rPr lang="ru-RU" sz="2000" dirty="0">
-                <a:solidFill>
-                  <a:srgbClr val="2D2D2A"/>
-                </a:solidFill>
-                <a:latin typeface="Segoe UI Light" panose="020B0502040204020203" pitchFamily="34" charset="0"/>
-                <a:cs typeface="Segoe UI Light" panose="020B0502040204020203" pitchFamily="34" charset="0"/>
-              </a:rPr>
-            </a:br>
-            <a:r>
-              <a:rPr lang="ru-RU" sz="2000" dirty="0">
-                <a:solidFill>
-                  <a:srgbClr val="86AA00"/>
-                </a:solidFill>
-                <a:latin typeface="Segoe UI Light" panose="020B0502040204020203" pitchFamily="34" charset="0"/>
-                <a:cs typeface="Segoe UI Light" panose="020B0502040204020203" pitchFamily="34" charset="0"/>
-              </a:rPr>
-              <a:t> </a:t>
-            </a:r>
-            <a:r>
-              <a:rPr lang="ru-RU" sz="2000" dirty="0">
-                <a:solidFill>
-                  <a:srgbClr val="2D2D2A"/>
-                </a:solidFill>
-                <a:latin typeface="Segoe UI Light" panose="020B0502040204020203" pitchFamily="34" charset="0"/>
-                <a:cs typeface="Segoe UI Light" panose="020B0502040204020203" pitchFamily="34" charset="0"/>
-              </a:rPr>
-              <a:t>Уважение к мнению других участников</a:t>
-            </a:r>
-            <a:br>
-              <a:rPr lang="ru-RU" sz="2000" dirty="0">
-                <a:solidFill>
-                  <a:srgbClr val="2D2D2A"/>
-                </a:solidFill>
-                <a:latin typeface="Segoe UI Light" panose="020B0502040204020203" pitchFamily="34" charset="0"/>
-                <a:cs typeface="Segoe UI Light" panose="020B0502040204020203" pitchFamily="34" charset="0"/>
-              </a:rPr>
-            </a:br>
-            <a:endParaRPr lang="ru-RU" sz="2000" dirty="0">
-              <a:solidFill>
-                <a:srgbClr val="2D2D2A"/>
-              </a:solidFill>
-              <a:latin typeface="Segoe UI Light" panose="020B0502040204020203" pitchFamily="34" charset="0"/>
-              <a:cs typeface="Segoe UI Light" panose="020B0502040204020203" pitchFamily="34" charset="0"/>
-            </a:endParaRPr>
-          </a:p>
-          <a:p>
-            <a:pPr marL="0" indent="0">
-              <a:buNone/>
-            </a:pPr>
-            <a:r>
-              <a:rPr lang="ru-RU" sz="1400" i="1" u="sng" dirty="0">
-                <a:latin typeface="Segoe UI Light" panose="020B0502040204020203" pitchFamily="34" charset="0"/>
-                <a:cs typeface="Segoe UI Light" panose="020B0502040204020203" pitchFamily="34" charset="0"/>
-              </a:rPr>
-              <a:t>Давайте знакомиться</a:t>
-            </a:r>
-          </a:p>
-          <a:p>
-            <a:pPr>
-              <a:buFont typeface="Wingdings" panose="05000000000000000000" pitchFamily="2" charset="2"/>
-              <a:buChar char="q"/>
-            </a:pPr>
-            <a:r>
-              <a:rPr lang="ru-RU" sz="2000" dirty="0">
-                <a:solidFill>
-                  <a:srgbClr val="2D2D2A"/>
-                </a:solidFill>
-                <a:latin typeface="Segoe UI Light" panose="020B0502040204020203" pitchFamily="34" charset="0"/>
-                <a:cs typeface="Segoe UI Light" panose="020B0502040204020203" pitchFamily="34" charset="0"/>
-              </a:rPr>
-              <a:t> Имя</a:t>
-            </a:r>
-          </a:p>
-          <a:p>
-            <a:pPr>
-              <a:buFont typeface="Wingdings" panose="05000000000000000000" pitchFamily="2" charset="2"/>
-              <a:buChar char="q"/>
-            </a:pPr>
-            <a:r>
-              <a:rPr lang="ru-RU" sz="2000" dirty="0">
-                <a:solidFill>
-                  <a:srgbClr val="2D2D2A"/>
-                </a:solidFill>
-                <a:latin typeface="Segoe UI Light" panose="020B0502040204020203" pitchFamily="34" charset="0"/>
-                <a:cs typeface="Segoe UI Light" panose="020B0502040204020203" pitchFamily="34" charset="0"/>
-              </a:rPr>
-              <a:t> Компания</a:t>
-            </a:r>
-          </a:p>
-          <a:p>
-            <a:pPr>
-              <a:buFont typeface="Wingdings" panose="05000000000000000000" pitchFamily="2" charset="2"/>
-              <a:buChar char="q"/>
-            </a:pPr>
-            <a:r>
-              <a:rPr lang="ru-RU" sz="2000" dirty="0">
-                <a:solidFill>
-                  <a:srgbClr val="2D2D2A"/>
-                </a:solidFill>
-                <a:latin typeface="Segoe UI Light" panose="020B0502040204020203" pitchFamily="34" charset="0"/>
-                <a:cs typeface="Segoe UI Light" panose="020B0502040204020203" pitchFamily="34" charset="0"/>
-              </a:rPr>
-              <a:t> Должность, роль</a:t>
-            </a:r>
-          </a:p>
-          <a:p>
-            <a:pPr>
-              <a:buFont typeface="Wingdings" panose="05000000000000000000" pitchFamily="2" charset="2"/>
-              <a:buChar char="q"/>
-            </a:pPr>
-            <a:r>
-              <a:rPr lang="ru-RU" sz="2000" dirty="0">
-                <a:solidFill>
-                  <a:srgbClr val="2D2D2A"/>
-                </a:solidFill>
-                <a:latin typeface="Segoe UI Light" panose="020B0502040204020203" pitchFamily="34" charset="0"/>
-                <a:cs typeface="Segoe UI Light" panose="020B0502040204020203" pitchFamily="34" charset="0"/>
-              </a:rPr>
-              <a:t> Ожидания от курса</a:t>
-            </a:r>
-            <a:br>
-              <a:rPr lang="ru-RU" sz="2000" dirty="0">
-                <a:solidFill>
-                  <a:srgbClr val="2D2D2A"/>
-                </a:solidFill>
-                <a:latin typeface="Segoe UI Light" panose="020B0502040204020203" pitchFamily="34" charset="0"/>
-                <a:cs typeface="Segoe UI Light" panose="020B0502040204020203" pitchFamily="34" charset="0"/>
-              </a:rPr>
-            </a:br>
-            <a:endParaRPr lang="ru-RU" sz="2000" dirty="0">
-              <a:solidFill>
-                <a:srgbClr val="2D2D2A"/>
-              </a:solidFill>
-              <a:latin typeface="Segoe UI Light" panose="020B0502040204020203" pitchFamily="34" charset="0"/>
-              <a:cs typeface="Segoe UI Light" panose="020B0502040204020203" pitchFamily="34" charset="0"/>
-            </a:endParaRPr>
-          </a:p>
-          <a:p>
-            <a:pPr marL="0" indent="0">
-              <a:buNone/>
-            </a:pPr>
-            <a:endParaRPr lang="ru-RU" sz="2000" dirty="0">
-              <a:solidFill>
-                <a:srgbClr val="2D2D2A"/>
-              </a:solidFill>
-              <a:latin typeface="Segoe UI Light" panose="020B0502040204020203" pitchFamily="34" charset="0"/>
-              <a:cs typeface="Segoe UI Light" panose="020B0502040204020203" pitchFamily="34" charset="0"/>
-            </a:endParaRPr>
-          </a:p>
-          <a:p>
-            <a:pPr marL="0" indent="0">
-              <a:buNone/>
-            </a:pPr>
-            <a:endParaRPr lang="ru-RU" sz="2000" dirty="0">
-              <a:solidFill>
-                <a:srgbClr val="2D2D2A"/>
-              </a:solidFill>
-              <a:latin typeface="Segoe UI Light" panose="020B0502040204020203" pitchFamily="34" charset="0"/>
-              <a:cs typeface="Segoe UI Light" panose="020B0502040204020203" pitchFamily="34" charset="0"/>
-            </a:endParaRPr>
-          </a:p>
-          <a:p>
-            <a:pPr marL="0" indent="0">
-              <a:buNone/>
-            </a:pPr>
-            <a:endParaRPr lang="ru-RU" sz="2000" dirty="0">
-              <a:solidFill>
-                <a:srgbClr val="2D2D2A"/>
-              </a:solidFill>
-              <a:latin typeface="Segoe UI Light" panose="020B0502040204020203" pitchFamily="34" charset="0"/>
-              <a:cs typeface="Segoe UI Light" panose="020B0502040204020203" pitchFamily="34" charset="0"/>
-            </a:endParaRPr>
-          </a:p>
-          <a:p>
-            <a:pPr marL="0" indent="0">
-              <a:buNone/>
-            </a:pPr>
-            <a:endParaRPr lang="ru-RU" sz="2000" dirty="0">
-              <a:solidFill>
-                <a:srgbClr val="2D2D2A"/>
-              </a:solidFill>
-              <a:latin typeface="Segoe UI Light" panose="020B0502040204020203" pitchFamily="34" charset="0"/>
-              <a:cs typeface="Segoe UI Light" panose="020B0502040204020203" pitchFamily="34" charset="0"/>
-            </a:endParaRPr>
-          </a:p>
-          <a:p>
-            <a:pPr marL="136922" indent="0">
-              <a:buNone/>
-            </a:pPr>
-            <a:endParaRPr lang="ru-RU" sz="2000" dirty="0">
-              <a:solidFill>
-                <a:srgbClr val="FF0000"/>
-              </a:solidFill>
-              <a:latin typeface="Segoe UI Light" panose="020B0502040204020203" pitchFamily="34" charset="0"/>
-              <a:cs typeface="Segoe UI Light" panose="020B0502040204020203" pitchFamily="34" charset="0"/>
-            </a:endParaRPr>
-          </a:p>
-          <a:p>
-            <a:pPr marL="136922" indent="0">
-              <a:buNone/>
-            </a:pPr>
-            <a:r>
-              <a:rPr lang="ru-RU" sz="2000" dirty="0">
-                <a:solidFill>
-                  <a:srgbClr val="FF0000"/>
-                </a:solidFill>
-                <a:latin typeface="Segoe UI Light" panose="020B0502040204020203" pitchFamily="34" charset="0"/>
-                <a:cs typeface="Segoe UI Light" panose="020B0502040204020203" pitchFamily="34" charset="0"/>
-              </a:rPr>
-              <a:t> </a:t>
-            </a:r>
-            <a:r>
-              <a:rPr lang="ru-RU" sz="2000" dirty="0">
-                <a:latin typeface="Segoe UI Light" panose="020B0502040204020203" pitchFamily="34" charset="0"/>
-                <a:cs typeface="Segoe UI Light" panose="020B0502040204020203" pitchFamily="34" charset="0"/>
-              </a:rPr>
-              <a:t>Мобильные телефоны</a:t>
-            </a:r>
-            <a:br>
-              <a:rPr lang="ru-RU" sz="2000" dirty="0">
-                <a:solidFill>
-                  <a:srgbClr val="2D2D2A"/>
-                </a:solidFill>
-                <a:latin typeface="Segoe UI Light" panose="020B0502040204020203" pitchFamily="34" charset="0"/>
-                <a:cs typeface="Segoe UI Light" panose="020B0502040204020203" pitchFamily="34" charset="0"/>
-              </a:rPr>
-            </a:br>
-            <a:r>
-              <a:rPr lang="ru-RU" sz="2000" dirty="0">
-                <a:solidFill>
-                  <a:srgbClr val="FF0000"/>
-                </a:solidFill>
-                <a:latin typeface="Segoe UI Light" panose="020B0502040204020203" pitchFamily="34" charset="0"/>
-                <a:cs typeface="Segoe UI Light" panose="020B0502040204020203" pitchFamily="34" charset="0"/>
-              </a:rPr>
-              <a:t> </a:t>
-            </a:r>
-            <a:r>
-              <a:rPr lang="ru-RU" sz="2000" dirty="0">
-                <a:solidFill>
-                  <a:srgbClr val="2D2D2A"/>
-                </a:solidFill>
-                <a:latin typeface="Segoe UI Light" panose="020B0502040204020203" pitchFamily="34" charset="0"/>
-                <a:cs typeface="Segoe UI Light" panose="020B0502040204020203" pitchFamily="34" charset="0"/>
-              </a:rPr>
-              <a:t>Опоздания</a:t>
-            </a:r>
-            <a:br>
-              <a:rPr lang="ru-RU" sz="2000" dirty="0">
-                <a:solidFill>
-                  <a:srgbClr val="2D2D2A"/>
-                </a:solidFill>
-                <a:latin typeface="Segoe UI Light" panose="020B0502040204020203" pitchFamily="34" charset="0"/>
-                <a:cs typeface="Segoe UI Light" panose="020B0502040204020203" pitchFamily="34" charset="0"/>
-              </a:rPr>
-            </a:br>
-            <a:r>
-              <a:rPr lang="ru-RU" sz="2000" dirty="0">
-                <a:solidFill>
-                  <a:srgbClr val="FF0000"/>
-                </a:solidFill>
-                <a:latin typeface="Segoe UI Light" panose="020B0502040204020203" pitchFamily="34" charset="0"/>
-                <a:cs typeface="Segoe UI Light" panose="020B0502040204020203" pitchFamily="34" charset="0"/>
-              </a:rPr>
-              <a:t> </a:t>
-            </a:r>
-            <a:r>
-              <a:rPr lang="ru-RU" sz="2000" dirty="0">
-                <a:solidFill>
-                  <a:srgbClr val="2D2D2A"/>
-                </a:solidFill>
-                <a:latin typeface="Segoe UI Light" panose="020B0502040204020203" pitchFamily="34" charset="0"/>
-                <a:cs typeface="Segoe UI Light" panose="020B0502040204020203" pitchFamily="34" charset="0"/>
-              </a:rPr>
-              <a:t>Приватные обсуждения</a:t>
-            </a:r>
-          </a:p>
-          <a:p>
-            <a:pPr marL="136922" indent="0">
-              <a:buNone/>
-            </a:pPr>
-            <a:endParaRPr lang="ru-RU" sz="2000" dirty="0">
-              <a:latin typeface="Segoe UI Light" panose="020B0502040204020203" pitchFamily="34" charset="0"/>
-              <a:cs typeface="Segoe UI Light" panose="020B0502040204020203" pitchFamily="34" charset="0"/>
-            </a:endParaRPr>
-          </a:p>
-        </p:txBody>
-      </p:sp>
-    </p:spTree>
-    <p:extLst>
-      <p:ext uri="{BB962C8B-B14F-4D97-AF65-F5344CB8AC3E}">
-        <p14:creationId xmlns:p14="http://schemas.microsoft.com/office/powerpoint/2010/main" val="1761173560"/>
-      </p:ext>
-    </p:extLst>
-  </p:cSld>
-  <p:clrMapOvr>
-    <a:masterClrMapping/>
-  </p:clrMapOvr>
-</p:sld>
-</file>
-
-<file path=ppt/slides/slide4.xml><?xml version="1.0" encoding="utf-8"?>
-<p:sld xmlns:a="http://schemas.openxmlformats.org/drawingml/2006/main" xmlns:r="http://schemas.openxmlformats.org/officeDocument/2006/relationships" xmlns:p="http://schemas.openxmlformats.org/presentationml/2006/main">
-  <p:cSld>
-    <p:spTree>
-      <p:nvGrpSpPr>
-        <p:cNvPr id="1" name=""/>
-        <p:cNvGrpSpPr/>
-        <p:nvPr/>
-      </p:nvGrpSpPr>
-      <p:grpSpPr>
-        <a:xfrm>
-          <a:off x="0" y="0"/>
-          <a:ext cx="0" cy="0"/>
-          <a:chOff x="0" y="0"/>
-          <a:chExt cx="0" cy="0"/>
-        </a:xfrm>
-      </p:grpSpPr>
       <p:pic>
         <p:nvPicPr>
           <p:cNvPr id="3" name="Рисунок 2">
@@ -6115,7 +6108,7 @@
 </p:sld>
 </file>
 
-<file path=ppt/slides/slide5.xml><?xml version="1.0" encoding="utf-8"?>
+<file path=ppt/slides/slide4.xml><?xml version="1.0" encoding="utf-8"?>
 <p:sld xmlns:a="http://schemas.openxmlformats.org/drawingml/2006/main" xmlns:r="http://schemas.openxmlformats.org/officeDocument/2006/relationships" xmlns:p="http://schemas.openxmlformats.org/presentationml/2006/main">
   <p:cSld>
     <p:spTree>
@@ -6146,8 +6139,8 @@
         </p:nvSpPr>
         <p:spPr>
           <a:xfrm>
-            <a:off x="238260" y="725298"/>
-            <a:ext cx="6787166" cy="3416320"/>
+            <a:off x="325027" y="1132441"/>
+            <a:ext cx="7617571" cy="2554545"/>
           </a:xfrm>
           <a:prstGeom prst="rect">
             <a:avLst/>
@@ -6160,21 +6153,23 @@
           <a:lstStyle/>
           <a:p>
             <a:r>
-              <a:rPr lang="ru-RU" sz="2400" b="1" dirty="0">
+              <a:rPr lang="ru-RU" sz="2000" b="1" dirty="0">
                 <a:solidFill>
                   <a:srgbClr val="000000"/>
                 </a:solidFill>
-                <a:latin typeface="Montserrat"/>
+                <a:latin typeface="Calibri" panose="020F0502020204030204" pitchFamily="34" charset="0"/>
+                <a:cs typeface="Calibri" panose="020F0502020204030204" pitchFamily="34" charset="0"/>
               </a:rPr>
               <a:t>Курс будет полезен:</a:t>
             </a:r>
           </a:p>
           <a:p>
-            <a:endParaRPr lang="ru-RU" sz="2400" dirty="0">
+            <a:endParaRPr lang="ru-RU" sz="2000" dirty="0">
               <a:solidFill>
                 <a:srgbClr val="000000"/>
               </a:solidFill>
-              <a:latin typeface="Montserrat"/>
+              <a:latin typeface="Calibri" panose="020F0502020204030204" pitchFamily="34" charset="0"/>
+              <a:cs typeface="Calibri" panose="020F0502020204030204" pitchFamily="34" charset="0"/>
             </a:endParaRPr>
           </a:p>
           <a:p>
@@ -6183,29 +6178,32 @@
               <a:buAutoNum type="arabicPeriod"/>
             </a:pPr>
             <a:r>
-              <a:rPr lang="ru-RU" sz="2400" dirty="0">
+              <a:rPr lang="ru-RU" sz="2000" dirty="0">
                 <a:solidFill>
                   <a:srgbClr val="000000"/>
                 </a:solidFill>
-                <a:latin typeface="inherit"/>
+                <a:latin typeface="Calibri" panose="020F0502020204030204" pitchFamily="34" charset="0"/>
+                <a:cs typeface="Calibri" panose="020F0502020204030204" pitchFamily="34" charset="0"/>
               </a:rPr>
               <a:t>Разработчикам СУБД </a:t>
             </a:r>
             <a:r>
-              <a:rPr lang="ru-RU" sz="2400" dirty="0" err="1">
+              <a:rPr lang="ru-RU" sz="2000" dirty="0" err="1">
                 <a:solidFill>
                   <a:srgbClr val="000000"/>
                 </a:solidFill>
-                <a:latin typeface="inherit"/>
+                <a:latin typeface="Calibri" panose="020F0502020204030204" pitchFamily="34" charset="0"/>
+                <a:cs typeface="Calibri" panose="020F0502020204030204" pitchFamily="34" charset="0"/>
               </a:rPr>
               <a:t>PostgreSQL</a:t>
             </a:r>
             <a:r>
-              <a:rPr lang="ru-RU" sz="2400" dirty="0">
+              <a:rPr lang="ru-RU" sz="2000" dirty="0">
                 <a:solidFill>
                   <a:srgbClr val="000000"/>
                 </a:solidFill>
-                <a:latin typeface="inherit"/>
+                <a:latin typeface="Calibri" panose="020F0502020204030204" pitchFamily="34" charset="0"/>
+                <a:cs typeface="Calibri" panose="020F0502020204030204" pitchFamily="34" charset="0"/>
               </a:rPr>
               <a:t>;</a:t>
             </a:r>
@@ -6216,29 +6214,32 @@
               <a:buAutoNum type="arabicPeriod"/>
             </a:pPr>
             <a:r>
-              <a:rPr lang="ru-RU" sz="2400" dirty="0">
+              <a:rPr lang="ru-RU" sz="2000" dirty="0">
                 <a:solidFill>
                   <a:srgbClr val="000000"/>
                 </a:solidFill>
-                <a:latin typeface="inherit"/>
+                <a:latin typeface="Calibri" panose="020F0502020204030204" pitchFamily="34" charset="0"/>
+                <a:cs typeface="Calibri" panose="020F0502020204030204" pitchFamily="34" charset="0"/>
               </a:rPr>
               <a:t>Разработчикам серверной части приложений СУБД </a:t>
             </a:r>
             <a:r>
-              <a:rPr lang="ru-RU" sz="2400" dirty="0" err="1">
+              <a:rPr lang="ru-RU" sz="2000" dirty="0" err="1">
                 <a:solidFill>
                   <a:srgbClr val="000000"/>
                 </a:solidFill>
-                <a:latin typeface="inherit"/>
+                <a:latin typeface="Calibri" panose="020F0502020204030204" pitchFamily="34" charset="0"/>
+                <a:cs typeface="Calibri" panose="020F0502020204030204" pitchFamily="34" charset="0"/>
               </a:rPr>
               <a:t>PostgreSQL</a:t>
             </a:r>
             <a:r>
-              <a:rPr lang="ru-RU" sz="2400" dirty="0">
+              <a:rPr lang="ru-RU" sz="2000" dirty="0">
                 <a:solidFill>
                   <a:srgbClr val="000000"/>
                 </a:solidFill>
-                <a:latin typeface="inherit"/>
+                <a:latin typeface="Calibri" panose="020F0502020204030204" pitchFamily="34" charset="0"/>
+                <a:cs typeface="Calibri" panose="020F0502020204030204" pitchFamily="34" charset="0"/>
               </a:rPr>
               <a:t>;</a:t>
             </a:r>
@@ -6249,29 +6250,32 @@
               <a:buAutoNum type="arabicPeriod"/>
             </a:pPr>
             <a:r>
-              <a:rPr lang="ru-RU" sz="2400" dirty="0">
+              <a:rPr lang="ru-RU" sz="2000" dirty="0">
                 <a:solidFill>
                   <a:srgbClr val="000000"/>
                 </a:solidFill>
-                <a:latin typeface="inherit"/>
+                <a:latin typeface="Calibri" panose="020F0502020204030204" pitchFamily="34" charset="0"/>
+                <a:cs typeface="Calibri" panose="020F0502020204030204" pitchFamily="34" charset="0"/>
               </a:rPr>
               <a:t>Администраторам СУБД </a:t>
             </a:r>
             <a:r>
-              <a:rPr lang="ru-RU" sz="2400" dirty="0" err="1">
+              <a:rPr lang="ru-RU" sz="2000" dirty="0" err="1">
                 <a:solidFill>
                   <a:srgbClr val="000000"/>
                 </a:solidFill>
-                <a:latin typeface="inherit"/>
+                <a:latin typeface="Calibri" panose="020F0502020204030204" pitchFamily="34" charset="0"/>
+                <a:cs typeface="Calibri" panose="020F0502020204030204" pitchFamily="34" charset="0"/>
               </a:rPr>
               <a:t>PostgreSQL</a:t>
             </a:r>
             <a:r>
-              <a:rPr lang="ru-RU" sz="2400" dirty="0">
+              <a:rPr lang="ru-RU" sz="2000" dirty="0">
                 <a:solidFill>
                   <a:srgbClr val="000000"/>
                 </a:solidFill>
-                <a:latin typeface="inherit"/>
+                <a:latin typeface="Calibri" panose="020F0502020204030204" pitchFamily="34" charset="0"/>
+                <a:cs typeface="Calibri" panose="020F0502020204030204" pitchFamily="34" charset="0"/>
               </a:rPr>
               <a:t>;</a:t>
             </a:r>
@@ -6282,11 +6286,12 @@
               <a:buAutoNum type="arabicPeriod"/>
             </a:pPr>
             <a:r>
-              <a:rPr lang="ru-RU" sz="2400" dirty="0">
+              <a:rPr lang="ru-RU" sz="2000" dirty="0">
                 <a:solidFill>
                   <a:srgbClr val="000000"/>
                 </a:solidFill>
-                <a:latin typeface="inherit"/>
+                <a:latin typeface="Calibri" panose="020F0502020204030204" pitchFamily="34" charset="0"/>
+                <a:cs typeface="Calibri" panose="020F0502020204030204" pitchFamily="34" charset="0"/>
               </a:rPr>
               <a:t>Разработчикам приложений;</a:t>
             </a:r>
@@ -6297,20 +6302,22 @@
               <a:buAutoNum type="arabicPeriod"/>
             </a:pPr>
             <a:r>
-              <a:rPr lang="ru-RU" sz="2400" dirty="0">
+              <a:rPr lang="ru-RU" sz="2000" dirty="0">
                 <a:solidFill>
                   <a:srgbClr val="000000"/>
                 </a:solidFill>
-                <a:latin typeface="inherit"/>
+                <a:latin typeface="Calibri" panose="020F0502020204030204" pitchFamily="34" charset="0"/>
+                <a:cs typeface="Calibri" panose="020F0502020204030204" pitchFamily="34" charset="0"/>
               </a:rPr>
               <a:t>Слушателям, обучающимся по направлению «Системы управления базами данных».</a:t>
             </a:r>
-            <a:endParaRPr lang="ru-RU" sz="2400" b="0" i="0" dirty="0">
+            <a:endParaRPr lang="ru-RU" sz="2000" b="0" i="0" dirty="0">
               <a:solidFill>
                 <a:srgbClr val="000000"/>
               </a:solidFill>
               <a:effectLst/>
-              <a:latin typeface="inherit"/>
+              <a:latin typeface="Calibri" panose="020F0502020204030204" pitchFamily="34" charset="0"/>
+              <a:cs typeface="Calibri" panose="020F0502020204030204" pitchFamily="34" charset="0"/>
             </a:endParaRPr>
           </a:p>
         </p:txBody>
@@ -6328,7 +6335,7 @@
 </p:sld>
 </file>
 
-<file path=ppt/slides/slide6.xml><?xml version="1.0" encoding="utf-8"?>
+<file path=ppt/slides/slide5.xml><?xml version="1.0" encoding="utf-8"?>
 <p:sld xmlns:a="http://schemas.openxmlformats.org/drawingml/2006/main" xmlns:r="http://schemas.openxmlformats.org/officeDocument/2006/relationships" xmlns:p="http://schemas.openxmlformats.org/presentationml/2006/main">
   <p:cSld>
     <p:spTree>
@@ -6388,7 +6395,7 @@
 </p:sld>
 </file>
 
-<file path=ppt/slides/slide7.xml><?xml version="1.0" encoding="utf-8"?>
+<file path=ppt/slides/slide6.xml><?xml version="1.0" encoding="utf-8"?>
 <p:sld xmlns:a="http://schemas.openxmlformats.org/drawingml/2006/main" xmlns:r="http://schemas.openxmlformats.org/officeDocument/2006/relationships" xmlns:p="http://schemas.openxmlformats.org/presentationml/2006/main">
   <p:cSld>
     <p:spTree>
@@ -6448,7 +6455,7 @@
 </p:sld>
 </file>
 
-<file path=ppt/slides/slide8.xml><?xml version="1.0" encoding="utf-8"?>
+<file path=ppt/slides/slide7.xml><?xml version="1.0" encoding="utf-8"?>
 <p:sld xmlns:a="http://schemas.openxmlformats.org/drawingml/2006/main" xmlns:r="http://schemas.openxmlformats.org/officeDocument/2006/relationships" xmlns:p="http://schemas.openxmlformats.org/presentationml/2006/main">
   <p:cSld>
     <p:spTree>
@@ -6508,6 +6515,66 @@
 </p:sld>
 </file>
 
+<file path=ppt/slides/slide8.xml><?xml version="1.0" encoding="utf-8"?>
+<p:sld xmlns:a="http://schemas.openxmlformats.org/drawingml/2006/main" xmlns:r="http://schemas.openxmlformats.org/officeDocument/2006/relationships" xmlns:p="http://schemas.openxmlformats.org/presentationml/2006/main">
+  <p:cSld>
+    <p:spTree>
+      <p:nvGrpSpPr>
+        <p:cNvPr id="1" name=""/>
+        <p:cNvGrpSpPr/>
+        <p:nvPr/>
+      </p:nvGrpSpPr>
+      <p:grpSpPr>
+        <a:xfrm>
+          <a:off x="0" y="0"/>
+          <a:ext cx="0" cy="0"/>
+          <a:chOff x="0" y="0"/>
+          <a:chExt cx="0" cy="0"/>
+        </a:xfrm>
+      </p:grpSpPr>
+      <p:pic>
+        <p:nvPicPr>
+          <p:cNvPr id="2" name="Рисунок 1">
+            <a:extLst>
+              <a:ext uri="{FF2B5EF4-FFF2-40B4-BE49-F238E27FC236}">
+                <a16:creationId xmlns:a16="http://schemas.microsoft.com/office/drawing/2014/main" id="{9D28EC85-4C0C-4A43-A804-D9FF6CB13337}"/>
+              </a:ext>
+            </a:extLst>
+          </p:cNvPr>
+          <p:cNvPicPr>
+            <a:picLocks noChangeAspect="1"/>
+          </p:cNvPicPr>
+          <p:nvPr/>
+        </p:nvPicPr>
+        <p:blipFill>
+          <a:blip r:embed="rId2"/>
+          <a:stretch>
+            <a:fillRect/>
+          </a:stretch>
+        </p:blipFill>
+        <p:spPr>
+          <a:xfrm>
+            <a:off x="1154043" y="0"/>
+            <a:ext cx="6835916" cy="5143500"/>
+          </a:xfrm>
+          <a:prstGeom prst="rect">
+            <a:avLst/>
+          </a:prstGeom>
+        </p:spPr>
+      </p:pic>
+    </p:spTree>
+    <p:extLst>
+      <p:ext uri="{BB962C8B-B14F-4D97-AF65-F5344CB8AC3E}">
+        <p14:creationId xmlns:p14="http://schemas.microsoft.com/office/powerpoint/2010/main" val="2334871199"/>
+      </p:ext>
+    </p:extLst>
+  </p:cSld>
+  <p:clrMapOvr>
+    <a:masterClrMapping/>
+  </p:clrMapOvr>
+</p:sld>
+</file>
+
 <file path=ppt/slides/slide9.xml><?xml version="1.0" encoding="utf-8"?>
 <p:sld xmlns:a="http://schemas.openxmlformats.org/drawingml/2006/main" xmlns:r="http://schemas.openxmlformats.org/officeDocument/2006/relationships" xmlns:p="http://schemas.openxmlformats.org/presentationml/2006/main">
   <p:cSld>
@@ -6527,10 +6594,10 @@
       </p:grpSpPr>
       <p:pic>
         <p:nvPicPr>
-          <p:cNvPr id="3" name="Рисунок 2">
+          <p:cNvPr id="2" name="Рисунок 1">
             <a:extLst>
               <a:ext uri="{FF2B5EF4-FFF2-40B4-BE49-F238E27FC236}">
-                <a16:creationId xmlns:a16="http://schemas.microsoft.com/office/drawing/2014/main" id="{204C9589-CE5D-4881-B830-60A7C73C95FD}"/>
+                <a16:creationId xmlns:a16="http://schemas.microsoft.com/office/drawing/2014/main" id="{E2649E39-CD40-409B-9500-7EFDD1A1939D}"/>
               </a:ext>
             </a:extLst>
           </p:cNvPr>
@@ -6547,8 +6614,8 @@
         </p:blipFill>
         <p:spPr>
           <a:xfrm>
-            <a:off x="1166008" y="0"/>
-            <a:ext cx="6811987" cy="5143500"/>
+            <a:off x="1169100" y="0"/>
+            <a:ext cx="6805802" cy="5143500"/>
           </a:xfrm>
           <a:prstGeom prst="rect">
             <a:avLst/>
@@ -6558,7 +6625,7 @@
     </p:spTree>
     <p:extLst>
       <p:ext uri="{BB962C8B-B14F-4D97-AF65-F5344CB8AC3E}">
-        <p14:creationId xmlns:p14="http://schemas.microsoft.com/office/powerpoint/2010/main" val="2592792565"/>
+        <p14:creationId xmlns:p14="http://schemas.microsoft.com/office/powerpoint/2010/main" val="1449623869"/>
       </p:ext>
     </p:extLst>
   </p:cSld>

--- a/for_students/DAY-1/ppt/dev1_00.pptx
+++ b/for_students/DAY-1/ppt/dev1_00.pptx
@@ -220,7 +220,7 @@
           <a:p>
             <a:fld id="{7A6A0595-55A8-48ED-89D9-94EF8A794717}" type="datetimeFigureOut">
               <a:rPr lang="ru-RU" smtClean="0"/>
-              <a:t>29.09.2024</a:t>
+              <a:t>30.09.2024</a:t>
             </a:fld>
             <a:endParaRPr lang="ru-RU"/>
           </a:p>
@@ -1369,7 +1369,7 @@
           <a:p>
             <a:fld id="{EF790F8C-5FB9-4EFE-BCC7-F735A3026FD8}" type="datetimeFigureOut">
               <a:rPr lang="ru-RU" smtClean="0"/>
-              <a:t>29.09.2024</a:t>
+              <a:t>30.09.2024</a:t>
             </a:fld>
             <a:endParaRPr lang="ru-RU"/>
           </a:p>
@@ -6140,7 +6140,7 @@
         <p:spPr>
           <a:xfrm>
             <a:off x="325027" y="1132441"/>
-            <a:ext cx="7617571" cy="2554545"/>
+            <a:ext cx="7617571" cy="2616101"/>
           </a:xfrm>
           <a:prstGeom prst="rect">
             <a:avLst/>
@@ -6153,7 +6153,7 @@
           <a:lstStyle/>
           <a:p>
             <a:r>
-              <a:rPr lang="ru-RU" sz="2000" b="1" dirty="0">
+              <a:rPr lang="ru-RU" sz="2400" b="1" dirty="0">
                 <a:solidFill>
                   <a:srgbClr val="000000"/>
                 </a:solidFill>

--- a/for_students/DAY-1/ppt/dev1_00.pptx
+++ b/for_students/DAY-1/ppt/dev1_00.pptx
@@ -220,7 +220,7 @@
           <a:p>
             <a:fld id="{7A6A0595-55A8-48ED-89D9-94EF8A794717}" type="datetimeFigureOut">
               <a:rPr lang="ru-RU" smtClean="0"/>
-              <a:t>30.09.2024</a:t>
+              <a:t>16.01.2025</a:t>
             </a:fld>
             <a:endParaRPr lang="ru-RU"/>
           </a:p>
@@ -1369,7 +1369,7 @@
           <a:p>
             <a:fld id="{EF790F8C-5FB9-4EFE-BCC7-F735A3026FD8}" type="datetimeFigureOut">
               <a:rPr lang="ru-RU" smtClean="0"/>
-              <a:t>30.09.2024</a:t>
+              <a:t>16.01.2025</a:t>
             </a:fld>
             <a:endParaRPr lang="ru-RU"/>
           </a:p>
@@ -4713,8 +4713,8 @@
         </p:nvSpPr>
         <p:spPr>
           <a:xfrm>
-            <a:off x="2387948" y="100960"/>
-            <a:ext cx="5905500" cy="2908920"/>
+            <a:off x="2371054" y="261051"/>
+            <a:ext cx="3546788" cy="2908920"/>
           </a:xfrm>
           <a:prstGeom prst="rect">
             <a:avLst/>
@@ -4993,26 +4993,17 @@
               </a:buBlip>
             </a:pPr>
             <a:r>
-              <a:rPr lang="ru-RU" sz="1600" kern="0" dirty="0" err="1">
-                <a:solidFill>
-                  <a:srgbClr val="002060"/>
+              <a:rPr lang="ru-RU" sz="1600" kern="0" dirty="0">
+                <a:solidFill>
+                  <a:schemeClr val="accent1">
+                    <a:lumMod val="50000"/>
+                  </a:schemeClr>
                 </a:solidFill>
                 <a:latin typeface="Yandex Sans Text Light" panose="02000000000000000000" pitchFamily="2" charset="-52"/>
                 <a:ea typeface="Open Sans" pitchFamily="2" charset="0"/>
                 <a:cs typeface="Open Sans" pitchFamily="2" charset="0"/>
               </a:rPr>
-              <a:t>Фулстек</a:t>
-            </a:r>
-            <a:r>
-              <a:rPr lang="ru-RU" sz="1600" kern="0" dirty="0">
-                <a:solidFill>
-                  <a:srgbClr val="002060"/>
-                </a:solidFill>
-                <a:latin typeface="Yandex Sans Text Light" panose="02000000000000000000" pitchFamily="2" charset="-52"/>
-                <a:ea typeface="Open Sans" pitchFamily="2" charset="0"/>
-                <a:cs typeface="Open Sans" pitchFamily="2" charset="0"/>
-              </a:rPr>
-              <a:t>-разработчик </a:t>
+              <a:t>Бэкенд-разработчик </a:t>
             </a:r>
           </a:p>
           <a:p>
@@ -5034,7 +5025,9 @@
             <a:r>
               <a:rPr lang="ru-RU" sz="1600" kern="0" dirty="0">
                 <a:solidFill>
-                  <a:srgbClr val="002060"/>
+                  <a:schemeClr val="accent1">
+                    <a:lumMod val="50000"/>
+                  </a:schemeClr>
                 </a:solidFill>
                 <a:latin typeface="Yandex Sans Text Light" panose="02000000000000000000" pitchFamily="2" charset="-52"/>
                 <a:ea typeface="Open Sans" pitchFamily="2" charset="0"/>
@@ -5045,7 +5038,9 @@
             <a:r>
               <a:rPr lang="en-US" sz="1600" kern="0" dirty="0">
                 <a:solidFill>
-                  <a:srgbClr val="002060"/>
+                  <a:schemeClr val="accent1">
+                    <a:lumMod val="50000"/>
+                  </a:schemeClr>
                 </a:solidFill>
                 <a:latin typeface="Yandex Sans Text Light" panose="02000000000000000000" pitchFamily="2" charset="-52"/>
                 <a:ea typeface="Open Sans" pitchFamily="2" charset="0"/>
@@ -5056,7 +5051,9 @@
             <a:r>
               <a:rPr lang="ru-RU" sz="1600" kern="0" dirty="0">
                 <a:solidFill>
-                  <a:srgbClr val="002060"/>
+                  <a:schemeClr val="accent1">
+                    <a:lumMod val="50000"/>
+                  </a:schemeClr>
                 </a:solidFill>
                 <a:latin typeface="Yandex Sans Text Light" panose="02000000000000000000" pitchFamily="2" charset="-52"/>
                 <a:ea typeface="Open Sans" pitchFamily="2" charset="0"/>
@@ -5067,36 +5064,65 @@
             <a:r>
               <a:rPr lang="en-US" sz="1600" kern="0" dirty="0">
                 <a:solidFill>
-                  <a:srgbClr val="002060"/>
+                  <a:schemeClr val="accent1">
+                    <a:lumMod val="50000"/>
+                  </a:schemeClr>
                 </a:solidFill>
                 <a:latin typeface="Yandex Sans Text Light" panose="02000000000000000000" pitchFamily="2" charset="-52"/>
                 <a:ea typeface="Open Sans" pitchFamily="2" charset="0"/>
                 <a:cs typeface="Open Sans" pitchFamily="2" charset="0"/>
               </a:rPr>
-              <a:t>Pt, JS, C#, </a:t>
-            </a:r>
-            <a:r>
-              <a:rPr lang="ru-RU" sz="1600" kern="0" dirty="0">
-                <a:solidFill>
-                  <a:srgbClr val="002060"/>
+              <a:t>Pt, JS, Django, </a:t>
+            </a:r>
+            <a:r>
+              <a:rPr lang="en-US" sz="1600" kern="0" dirty="0" err="1">
+                <a:solidFill>
+                  <a:schemeClr val="accent1">
+                    <a:lumMod val="50000"/>
+                  </a:schemeClr>
                 </a:solidFill>
                 <a:latin typeface="Yandex Sans Text Light" panose="02000000000000000000" pitchFamily="2" charset="-52"/>
                 <a:ea typeface="Open Sans" pitchFamily="2" charset="0"/>
                 <a:cs typeface="Open Sans" pitchFamily="2" charset="0"/>
               </a:rPr>
-              <a:t>языки ассемблера</a:t>
+              <a:t>Fastapi</a:t>
             </a:r>
             <a:r>
               <a:rPr lang="en-US" sz="1600" kern="0" dirty="0">
                 <a:solidFill>
-                  <a:srgbClr val="002060"/>
+                  <a:schemeClr val="accent1">
+                    <a:lumMod val="50000"/>
+                  </a:schemeClr>
                 </a:solidFill>
                 <a:latin typeface="Yandex Sans Text Light" panose="02000000000000000000" pitchFamily="2" charset="-52"/>
                 <a:ea typeface="Open Sans" pitchFamily="2" charset="0"/>
                 <a:cs typeface="Open Sans" pitchFamily="2" charset="0"/>
               </a:rPr>
-              <a:t>, Django, Flask, Vue, IOT</a:t>
-            </a:r>
+              <a:t>, </a:t>
+            </a:r>
+            <a:r>
+              <a:rPr lang="en-US" sz="1600" kern="0" dirty="0" err="1">
+                <a:solidFill>
+                  <a:schemeClr val="accent1">
+                    <a:lumMod val="50000"/>
+                  </a:schemeClr>
+                </a:solidFill>
+                <a:latin typeface="Yandex Sans Text Light" panose="02000000000000000000" pitchFamily="2" charset="-52"/>
+                <a:ea typeface="Open Sans" pitchFamily="2" charset="0"/>
+                <a:cs typeface="Open Sans" pitchFamily="2" charset="0"/>
+              </a:rPr>
+              <a:t>Postgresql</a:t>
+            </a:r>
+            <a:endParaRPr lang="en-US" sz="1600" kern="0" dirty="0">
+              <a:solidFill>
+                <a:schemeClr val="accent1">
+                  <a:lumMod val="50000"/>
+                </a:schemeClr>
+              </a:solidFill>
+              <a:latin typeface="Yandex Sans Text Light" panose="02000000000000000000" pitchFamily="2" charset="-52"/>
+              <a:ea typeface="Open Sans" pitchFamily="2" charset="0"/>
+              <a:cs typeface="Open Sans" pitchFamily="2" charset="0"/>
+            </a:endParaRPr>
           </a:p>
           <a:p>
             <a:pPr marL="609585" indent="-474121" defTabSz="1219170">
@@ -5118,14 +5144,26 @@
             <a:r>
               <a:rPr lang="ru-RU" sz="1600" kern="0" dirty="0">
                 <a:solidFill>
-                  <a:srgbClr val="C00000"/>
+                  <a:schemeClr val="accent1">
+                    <a:lumMod val="50000"/>
+                  </a:schemeClr>
                 </a:solidFill>
                 <a:latin typeface="Yandex Sans Text Light" panose="02000000000000000000" pitchFamily="2" charset="-52"/>
                 <a:ea typeface="Open Sans" pitchFamily="2" charset="0"/>
                 <a:cs typeface="Open Sans" pitchFamily="2" charset="0"/>
               </a:rPr>
-              <a:t>Путь от инженера до старшего научного сотрудника ЦНИИ</a:t>
-            </a:r>
+              <a:t>Кандидат технических наук,</a:t>
+            </a:r>
+            <a:endParaRPr lang="en-US" sz="1600" kern="0" dirty="0">
+              <a:solidFill>
+                <a:schemeClr val="accent1">
+                  <a:lumMod val="50000"/>
+                </a:schemeClr>
+              </a:solidFill>
+              <a:latin typeface="Yandex Sans Text Light" panose="02000000000000000000" pitchFamily="2" charset="-52"/>
+              <a:ea typeface="Open Sans" pitchFamily="2" charset="0"/>
+              <a:cs typeface="Open Sans" pitchFamily="2" charset="0"/>
+            </a:endParaRPr>
           </a:p>
           <a:p>
             <a:pPr marL="609585" indent="-474121" defTabSz="1219170">
@@ -5147,179 +5185,61 @@
             <a:r>
               <a:rPr lang="ru-RU" sz="1600" kern="0" dirty="0">
                 <a:solidFill>
-                  <a:srgbClr val="002060"/>
+                  <a:schemeClr val="accent1">
+                    <a:lumMod val="50000"/>
+                  </a:schemeClr>
                 </a:solidFill>
                 <a:latin typeface="Yandex Sans Text Light" panose="02000000000000000000" pitchFamily="2" charset="-52"/>
                 <a:ea typeface="Open Sans" pitchFamily="2" charset="0"/>
                 <a:cs typeface="Open Sans" pitchFamily="2" charset="0"/>
               </a:rPr>
-              <a:t>Основатель компьютерной академии Вектор Времени, технического клуба Кибернетик</a:t>
+              <a:t> доцент РТУ МИРЭА</a:t>
             </a:r>
             <a:r>
               <a:rPr lang="en-US" sz="1600" kern="0" dirty="0">
                 <a:solidFill>
-                  <a:srgbClr val="002060"/>
+                  <a:schemeClr val="accent1">
+                    <a:lumMod val="50000"/>
+                  </a:schemeClr>
                 </a:solidFill>
                 <a:latin typeface="Yandex Sans Text Light" panose="02000000000000000000" pitchFamily="2" charset="-52"/>
                 <a:ea typeface="Open Sans" pitchFamily="2" charset="0"/>
                 <a:cs typeface="Open Sans" pitchFamily="2" charset="0"/>
               </a:rPr>
-              <a:t>, IT </a:t>
+              <a:t>, </a:t>
             </a:r>
             <a:r>
               <a:rPr lang="ru-RU" sz="1600" kern="0" dirty="0">
                 <a:solidFill>
-                  <a:srgbClr val="002060"/>
+                  <a:schemeClr val="accent1">
+                    <a:lumMod val="50000"/>
+                  </a:schemeClr>
                 </a:solidFill>
                 <a:latin typeface="Yandex Sans Text Light" panose="02000000000000000000" pitchFamily="2" charset="-52"/>
                 <a:ea typeface="Open Sans" pitchFamily="2" charset="0"/>
                 <a:cs typeface="Open Sans" pitchFamily="2" charset="0"/>
               </a:rPr>
-              <a:t>компании 1</a:t>
-            </a:r>
-            <a:r>
-              <a:rPr lang="en-US" sz="1600" kern="0" dirty="0">
-                <a:solidFill>
-                  <a:srgbClr val="002060"/>
+              <a:t>Политех, </a:t>
+            </a:r>
+            <a:r>
+              <a:rPr lang="ru-RU" sz="1600" kern="0" dirty="0" err="1">
+                <a:solidFill>
+                  <a:schemeClr val="accent1">
+                    <a:lumMod val="50000"/>
+                  </a:schemeClr>
                 </a:solidFill>
                 <a:latin typeface="Yandex Sans Text Light" panose="02000000000000000000" pitchFamily="2" charset="-52"/>
                 <a:ea typeface="Open Sans" pitchFamily="2" charset="0"/>
                 <a:cs typeface="Open Sans" pitchFamily="2" charset="0"/>
               </a:rPr>
-              <a:t>-PRO-1</a:t>
-            </a:r>
-            <a:endParaRPr lang="ru-RU" sz="1600" kern="0" dirty="0">
-              <a:solidFill>
-                <a:srgbClr val="002060"/>
-              </a:solidFill>
-              <a:latin typeface="Yandex Sans Text Light" panose="02000000000000000000" pitchFamily="2" charset="-52"/>
-              <a:ea typeface="Open Sans" pitchFamily="2" charset="0"/>
-              <a:cs typeface="Open Sans" pitchFamily="2" charset="0"/>
-            </a:endParaRPr>
-          </a:p>
-          <a:p>
-            <a:pPr marL="609585" indent="-474121" defTabSz="1219170">
-              <a:spcBef>
-                <a:spcPts val="1067"/>
-              </a:spcBef>
-              <a:buSzPct val="130000"/>
-              <a:buFont typeface="Open Sans"/>
-              <a:buBlip>
-                <a:blip r:embed="rId3">
-                  <a:extLst>
-                    <a:ext uri="{96DAC541-7B7A-43D3-8B79-37D633B846F1}">
-                      <asvg:svgBlip xmlns:asvg="http://schemas.microsoft.com/office/drawing/2016/SVG/main" r:embed="rId4"/>
-                    </a:ext>
-                  </a:extLst>
-                </a:blip>
-              </a:buBlip>
-            </a:pPr>
+              <a:t>Бауманский</a:t>
+            </a:r>
             <a:r>
               <a:rPr lang="ru-RU" sz="1600" kern="0" dirty="0">
                 <a:solidFill>
-                  <a:srgbClr val="C00000"/>
-                </a:solidFill>
-                <a:latin typeface="Yandex Sans Text Light" panose="02000000000000000000" pitchFamily="2" charset="-52"/>
-                <a:ea typeface="Open Sans" pitchFamily="2" charset="0"/>
-                <a:cs typeface="Open Sans" pitchFamily="2" charset="0"/>
-              </a:rPr>
-              <a:t>Опыт работы программистом в Европе</a:t>
-            </a:r>
-          </a:p>
-          <a:p>
-            <a:pPr marL="609585" indent="-474121" defTabSz="1219170">
-              <a:spcBef>
-                <a:spcPts val="1067"/>
-              </a:spcBef>
-              <a:buSzPct val="130000"/>
-              <a:buFont typeface="Open Sans"/>
-              <a:buBlip>
-                <a:blip r:embed="rId3">
-                  <a:extLst>
-                    <a:ext uri="{96DAC541-7B7A-43D3-8B79-37D633B846F1}">
-                      <asvg:svgBlip xmlns:asvg="http://schemas.microsoft.com/office/drawing/2016/SVG/main" r:embed="rId4"/>
-                    </a:ext>
-                  </a:extLst>
-                </a:blip>
-              </a:buBlip>
-            </a:pPr>
-            <a:r>
-              <a:rPr lang="ru-RU" sz="1600" kern="0" dirty="0">
-                <a:solidFill>
-                  <a:srgbClr val="05386C"/>
-                </a:solidFill>
-                <a:latin typeface="Yandex Sans Text Light" panose="02000000000000000000" pitchFamily="2" charset="-52"/>
-                <a:ea typeface="Open Sans" pitchFamily="2" charset="0"/>
-                <a:cs typeface="Open Sans" pitchFamily="2" charset="0"/>
-              </a:rPr>
-              <a:t>Автор учебных пособий по программированию</a:t>
-            </a:r>
-          </a:p>
-          <a:p>
-            <a:pPr marL="609585" indent="-474121" defTabSz="1219170">
-              <a:spcBef>
-                <a:spcPts val="1067"/>
-              </a:spcBef>
-              <a:buSzPct val="130000"/>
-              <a:buFont typeface="Open Sans"/>
-              <a:buBlip>
-                <a:blip r:embed="rId3">
-                  <a:extLst>
-                    <a:ext uri="{96DAC541-7B7A-43D3-8B79-37D633B846F1}">
-                      <asvg:svgBlip xmlns:asvg="http://schemas.microsoft.com/office/drawing/2016/SVG/main" r:embed="rId4"/>
-                    </a:ext>
-                  </a:extLst>
-                </a:blip>
-              </a:buBlip>
-            </a:pPr>
-            <a:r>
-              <a:rPr lang="ru-RU" sz="1600" kern="0" dirty="0">
-                <a:solidFill>
-                  <a:srgbClr val="C00000"/>
-                </a:solidFill>
-                <a:latin typeface="Yandex Sans Text Light" panose="02000000000000000000" pitchFamily="2" charset="-52"/>
-                <a:ea typeface="Open Sans" pitchFamily="2" charset="0"/>
-                <a:cs typeface="Open Sans" pitchFamily="2" charset="0"/>
-              </a:rPr>
-              <a:t>Кандидат технических наук, доцент РТУ МИРЭА</a:t>
-            </a:r>
-            <a:r>
-              <a:rPr lang="en-US" sz="1600" kern="0" dirty="0">
-                <a:solidFill>
-                  <a:srgbClr val="C00000"/>
-                </a:solidFill>
-                <a:latin typeface="Yandex Sans Text Light" panose="02000000000000000000" pitchFamily="2" charset="-52"/>
-                <a:ea typeface="Open Sans" pitchFamily="2" charset="0"/>
-                <a:cs typeface="Open Sans" pitchFamily="2" charset="0"/>
-              </a:rPr>
-              <a:t>, </a:t>
-            </a:r>
-            <a:r>
-              <a:rPr lang="ru-RU" sz="1600" kern="0" dirty="0">
-                <a:solidFill>
-                  <a:srgbClr val="C00000"/>
-                </a:solidFill>
-                <a:latin typeface="Yandex Sans Text Light" panose="02000000000000000000" pitchFamily="2" charset="-52"/>
-                <a:ea typeface="Open Sans" pitchFamily="2" charset="0"/>
-                <a:cs typeface="Open Sans" pitchFamily="2" charset="0"/>
-              </a:rPr>
-              <a:t>Политех, </a:t>
-            </a:r>
-            <a:r>
-              <a:rPr lang="ru-RU" sz="1600" kern="0" dirty="0" err="1">
-                <a:solidFill>
-                  <a:srgbClr val="C00000"/>
-                </a:solidFill>
-                <a:latin typeface="Yandex Sans Text Light" panose="02000000000000000000" pitchFamily="2" charset="-52"/>
-                <a:ea typeface="Open Sans" pitchFamily="2" charset="0"/>
-                <a:cs typeface="Open Sans" pitchFamily="2" charset="0"/>
-              </a:rPr>
-              <a:t>Бауманский</a:t>
-            </a:r>
-            <a:r>
-              <a:rPr lang="ru-RU" sz="1600" kern="0" dirty="0">
-                <a:solidFill>
-                  <a:srgbClr val="C00000"/>
+                  <a:schemeClr val="accent1">
+                    <a:lumMod val="50000"/>
+                  </a:schemeClr>
                 </a:solidFill>
                 <a:latin typeface="Yandex Sans Text Light" panose="02000000000000000000" pitchFamily="2" charset="-52"/>
                 <a:ea typeface="Open Sans" pitchFamily="2" charset="0"/>
